--- a/Presentation1.pptx
+++ b/Presentation1.pptx
@@ -7,6 +7,8 @@
   <p:sldIdLst>
     <p:sldId id="256" r:id="rId2"/>
     <p:sldId id="257" r:id="rId3"/>
+    <p:sldId id="258" r:id="rId4"/>
+    <p:sldId id="259" r:id="rId5"/>
   </p:sldIdLst>
   <p:sldSz cx="6858000" cy="9906000" type="A4"/>
   <p:notesSz cx="6858000" cy="9144000"/>
@@ -244,7 +246,7 @@
           <a:p>
             <a:fld id="{C5B85805-CA19-40AF-800A-044DEDEF4700}" type="datetimeFigureOut">
               <a:rPr lang="en-US" smtClean="0"/>
-              <a:t>20/11/2022</a:t>
+              <a:t>29/11/2022</a:t>
             </a:fld>
             <a:endParaRPr lang="en-US"/>
           </a:p>
@@ -414,7 +416,7 @@
           <a:p>
             <a:fld id="{C5B85805-CA19-40AF-800A-044DEDEF4700}" type="datetimeFigureOut">
               <a:rPr lang="en-US" smtClean="0"/>
-              <a:t>20/11/2022</a:t>
+              <a:t>29/11/2022</a:t>
             </a:fld>
             <a:endParaRPr lang="en-US"/>
           </a:p>
@@ -594,7 +596,7 @@
           <a:p>
             <a:fld id="{C5B85805-CA19-40AF-800A-044DEDEF4700}" type="datetimeFigureOut">
               <a:rPr lang="en-US" smtClean="0"/>
-              <a:t>20/11/2022</a:t>
+              <a:t>29/11/2022</a:t>
             </a:fld>
             <a:endParaRPr lang="en-US"/>
           </a:p>
@@ -764,7 +766,7 @@
           <a:p>
             <a:fld id="{C5B85805-CA19-40AF-800A-044DEDEF4700}" type="datetimeFigureOut">
               <a:rPr lang="en-US" smtClean="0"/>
-              <a:t>20/11/2022</a:t>
+              <a:t>29/11/2022</a:t>
             </a:fld>
             <a:endParaRPr lang="en-US"/>
           </a:p>
@@ -1008,7 +1010,7 @@
           <a:p>
             <a:fld id="{C5B85805-CA19-40AF-800A-044DEDEF4700}" type="datetimeFigureOut">
               <a:rPr lang="en-US" smtClean="0"/>
-              <a:t>20/11/2022</a:t>
+              <a:t>29/11/2022</a:t>
             </a:fld>
             <a:endParaRPr lang="en-US"/>
           </a:p>
@@ -1240,7 +1242,7 @@
           <a:p>
             <a:fld id="{C5B85805-CA19-40AF-800A-044DEDEF4700}" type="datetimeFigureOut">
               <a:rPr lang="en-US" smtClean="0"/>
-              <a:t>20/11/2022</a:t>
+              <a:t>29/11/2022</a:t>
             </a:fld>
             <a:endParaRPr lang="en-US"/>
           </a:p>
@@ -1607,7 +1609,7 @@
           <a:p>
             <a:fld id="{C5B85805-CA19-40AF-800A-044DEDEF4700}" type="datetimeFigureOut">
               <a:rPr lang="en-US" smtClean="0"/>
-              <a:t>20/11/2022</a:t>
+              <a:t>29/11/2022</a:t>
             </a:fld>
             <a:endParaRPr lang="en-US"/>
           </a:p>
@@ -1725,7 +1727,7 @@
           <a:p>
             <a:fld id="{C5B85805-CA19-40AF-800A-044DEDEF4700}" type="datetimeFigureOut">
               <a:rPr lang="en-US" smtClean="0"/>
-              <a:t>20/11/2022</a:t>
+              <a:t>29/11/2022</a:t>
             </a:fld>
             <a:endParaRPr lang="en-US"/>
           </a:p>
@@ -1820,7 +1822,7 @@
           <a:p>
             <a:fld id="{C5B85805-CA19-40AF-800A-044DEDEF4700}" type="datetimeFigureOut">
               <a:rPr lang="en-US" smtClean="0"/>
-              <a:t>20/11/2022</a:t>
+              <a:t>29/11/2022</a:t>
             </a:fld>
             <a:endParaRPr lang="en-US"/>
           </a:p>
@@ -2097,7 +2099,7 @@
           <a:p>
             <a:fld id="{C5B85805-CA19-40AF-800A-044DEDEF4700}" type="datetimeFigureOut">
               <a:rPr lang="en-US" smtClean="0"/>
-              <a:t>20/11/2022</a:t>
+              <a:t>29/11/2022</a:t>
             </a:fld>
             <a:endParaRPr lang="en-US"/>
           </a:p>
@@ -2354,7 +2356,7 @@
           <a:p>
             <a:fld id="{C5B85805-CA19-40AF-800A-044DEDEF4700}" type="datetimeFigureOut">
               <a:rPr lang="en-US" smtClean="0"/>
-              <a:t>20/11/2022</a:t>
+              <a:t>29/11/2022</a:t>
             </a:fld>
             <a:endParaRPr lang="en-US"/>
           </a:p>
@@ -2567,7 +2569,7 @@
           <a:p>
             <a:fld id="{C5B85805-CA19-40AF-800A-044DEDEF4700}" type="datetimeFigureOut">
               <a:rPr lang="en-US" smtClean="0"/>
-              <a:t>20/11/2022</a:t>
+              <a:t>29/11/2022</a:t>
             </a:fld>
             <a:endParaRPr lang="en-US"/>
           </a:p>
@@ -3066,11 +3068,6 @@
                 </a:rPr>
                 <a:t>Chuẩn hóa kích thước ảnh</a:t>
               </a:r>
-              <a:endParaRPr lang="en-US" sz="1878" dirty="0">
-                <a:solidFill>
-                  <a:schemeClr val="tx1"/>
-                </a:solidFill>
-              </a:endParaRPr>
             </a:p>
           </p:txBody>
         </p:sp>
@@ -3154,11 +3151,6 @@
                 </a:rPr>
                 <a:t>Chuyển thành ảnh xám</a:t>
               </a:r>
-              <a:endParaRPr lang="en-US" sz="1878" dirty="0">
-                <a:solidFill>
-                  <a:schemeClr val="tx1"/>
-                </a:solidFill>
-              </a:endParaRPr>
             </a:p>
           </p:txBody>
         </p:sp>
@@ -3242,11 +3234,6 @@
                 </a:rPr>
                 <a:t>Nghịch đảo ảnh</a:t>
               </a:r>
-              <a:endParaRPr lang="en-US" sz="1878" dirty="0">
-                <a:solidFill>
-                  <a:schemeClr val="tx1"/>
-                </a:solidFill>
-              </a:endParaRPr>
             </a:p>
           </p:txBody>
         </p:sp>
@@ -3330,11 +3317,6 @@
                 </a:rPr>
                 <a:t>Kéo giãn ảnh</a:t>
               </a:r>
-              <a:endParaRPr lang="en-US" sz="1878" dirty="0">
-                <a:solidFill>
-                  <a:schemeClr val="tx1"/>
-                </a:solidFill>
-              </a:endParaRPr>
             </a:p>
           </p:txBody>
         </p:sp>
@@ -3418,11 +3400,6 @@
                 </a:rPr>
                 <a:t>Mở rộng ảnh</a:t>
               </a:r>
-              <a:endParaRPr lang="en-US" sz="1878" dirty="0">
-                <a:solidFill>
-                  <a:schemeClr val="tx1"/>
-                </a:solidFill>
-              </a:endParaRPr>
             </a:p>
           </p:txBody>
         </p:sp>
@@ -3536,11 +3513,6 @@
                 </a:rPr>
                 <a:t>Kéo giãn ảnh lần 2</a:t>
               </a:r>
-              <a:endParaRPr lang="en-US" sz="1878" dirty="0">
-                <a:solidFill>
-                  <a:schemeClr val="tx1"/>
-                </a:solidFill>
-              </a:endParaRPr>
             </a:p>
           </p:txBody>
         </p:sp>
@@ -3624,11 +3596,6 @@
                 </a:rPr>
                 <a:t>Đóng ảnh</a:t>
               </a:r>
-              <a:endParaRPr lang="en-US" sz="1878" dirty="0">
-                <a:solidFill>
-                  <a:schemeClr val="tx1"/>
-                </a:solidFill>
-              </a:endParaRPr>
             </a:p>
           </p:txBody>
         </p:sp>
@@ -3712,11 +3679,6 @@
                 </a:rPr>
                 <a:t>Làm mịn ảnh</a:t>
               </a:r>
-              <a:endParaRPr lang="en-US" sz="1878" dirty="0">
-                <a:solidFill>
-                  <a:schemeClr val="tx1"/>
-                </a:solidFill>
-              </a:endParaRPr>
             </a:p>
           </p:txBody>
         </p:sp>
@@ -3830,11 +3792,6 @@
                 </a:rPr>
                 <a:t>Chuẩn hóa kích thước ảnh</a:t>
               </a:r>
-              <a:endParaRPr lang="en-US" sz="1878" dirty="0">
-                <a:solidFill>
-                  <a:schemeClr val="tx1"/>
-                </a:solidFill>
-              </a:endParaRPr>
             </a:p>
           </p:txBody>
         </p:sp>
@@ -3941,11 +3898,6 @@
                 </a:rPr>
                 <a:t>Cắt ngưỡng</a:t>
               </a:r>
-              <a:endParaRPr lang="en-US" sz="1878" dirty="0">
-                <a:solidFill>
-                  <a:schemeClr val="tx1"/>
-                </a:solidFill>
-              </a:endParaRPr>
             </a:p>
           </p:txBody>
         </p:sp>
@@ -5163,6 +5115,1027 @@
     <p:extLst>
       <p:ext uri="{BB962C8B-B14F-4D97-AF65-F5344CB8AC3E}">
         <p14:creationId xmlns:p14="http://schemas.microsoft.com/office/powerpoint/2010/main" val="3186602334"/>
+      </p:ext>
+    </p:extLst>
+  </p:cSld>
+  <p:clrMapOvr>
+    <a:masterClrMapping/>
+  </p:clrMapOvr>
+</p:sld>
+</file>
+
+<file path=ppt/slides/slide3.xml><?xml version="1.0" encoding="utf-8"?>
+<p:sld xmlns:a="http://schemas.openxmlformats.org/drawingml/2006/main" xmlns:r="http://schemas.openxmlformats.org/officeDocument/2006/relationships" xmlns:p="http://schemas.openxmlformats.org/presentationml/2006/main">
+  <p:cSld>
+    <p:spTree>
+      <p:nvGrpSpPr>
+        <p:cNvPr id="1" name=""/>
+        <p:cNvGrpSpPr/>
+        <p:nvPr/>
+      </p:nvGrpSpPr>
+      <p:grpSpPr>
+        <a:xfrm>
+          <a:off x="0" y="0"/>
+          <a:ext cx="0" cy="0"/>
+          <a:chOff x="0" y="0"/>
+          <a:chExt cx="0" cy="0"/>
+        </a:xfrm>
+      </p:grpSpPr>
+      <p:pic>
+        <p:nvPicPr>
+          <p:cNvPr id="13" name="Picture 12"/>
+          <p:cNvPicPr>
+            <a:picLocks noChangeAspect="1"/>
+          </p:cNvPicPr>
+          <p:nvPr/>
+        </p:nvPicPr>
+        <p:blipFill>
+          <a:blip r:embed="rId2" cstate="print">
+            <a:extLst>
+              <a:ext uri="{28A0092B-C50C-407E-A947-70E740481C1C}">
+                <a14:useLocalDpi xmlns:a14="http://schemas.microsoft.com/office/drawing/2010/main" val="0"/>
+              </a:ext>
+            </a:extLst>
+          </a:blip>
+          <a:stretch>
+            <a:fillRect/>
+          </a:stretch>
+        </p:blipFill>
+        <p:spPr>
+          <a:xfrm>
+            <a:off x="674435" y="2027630"/>
+            <a:ext cx="967941" cy="1368945"/>
+          </a:xfrm>
+          <a:prstGeom prst="rect">
+            <a:avLst/>
+          </a:prstGeom>
+        </p:spPr>
+      </p:pic>
+      <p:pic>
+        <p:nvPicPr>
+          <p:cNvPr id="12" name="Picture 11"/>
+          <p:cNvPicPr>
+            <a:picLocks noChangeAspect="1"/>
+          </p:cNvPicPr>
+          <p:nvPr/>
+        </p:nvPicPr>
+        <p:blipFill>
+          <a:blip r:embed="rId3" cstate="print">
+            <a:extLst>
+              <a:ext uri="{28A0092B-C50C-407E-A947-70E740481C1C}">
+                <a14:useLocalDpi xmlns:a14="http://schemas.microsoft.com/office/drawing/2010/main" val="0"/>
+              </a:ext>
+            </a:extLst>
+          </a:blip>
+          <a:stretch>
+            <a:fillRect/>
+          </a:stretch>
+        </p:blipFill>
+        <p:spPr>
+          <a:xfrm>
+            <a:off x="5357141" y="2024976"/>
+            <a:ext cx="969818" cy="1371600"/>
+          </a:xfrm>
+          <a:prstGeom prst="rect">
+            <a:avLst/>
+          </a:prstGeom>
+        </p:spPr>
+      </p:pic>
+      <p:sp>
+        <p:nvSpPr>
+          <p:cNvPr id="21" name="Rectangular Callout 20"/>
+          <p:cNvSpPr/>
+          <p:nvPr/>
+        </p:nvSpPr>
+        <p:spPr>
+          <a:xfrm>
+            <a:off x="3528338" y="1233712"/>
+            <a:ext cx="1828804" cy="1828804"/>
+          </a:xfrm>
+          <a:prstGeom prst="wedgeRectCallout">
+            <a:avLst>
+              <a:gd name="adj1" fmla="val 83593"/>
+              <a:gd name="adj2" fmla="val 22049"/>
+            </a:avLst>
+          </a:prstGeom>
+          <a:solidFill>
+            <a:srgbClr val="FFFFFF">
+              <a:alpha val="74902"/>
+            </a:srgbClr>
+          </a:solidFill>
+          <a:ln>
+            <a:noFill/>
+          </a:ln>
+        </p:spPr>
+        <p:style>
+          <a:lnRef idx="2">
+            <a:schemeClr val="accent1">
+              <a:shade val="50000"/>
+            </a:schemeClr>
+          </a:lnRef>
+          <a:fillRef idx="1">
+            <a:schemeClr val="accent1"/>
+          </a:fillRef>
+          <a:effectRef idx="0">
+            <a:schemeClr val="accent1"/>
+          </a:effectRef>
+          <a:fontRef idx="minor">
+            <a:schemeClr val="lt1"/>
+          </a:fontRef>
+        </p:style>
+        <p:txBody>
+          <a:bodyPr rtlCol="0" anchor="ctr"/>
+          <a:lstStyle/>
+          <a:p>
+            <a:pPr algn="ctr"/>
+            <a:endParaRPr lang="en-US"/>
+          </a:p>
+        </p:txBody>
+      </p:sp>
+      <p:sp>
+        <p:nvSpPr>
+          <p:cNvPr id="20" name="Rectangular Callout 19"/>
+          <p:cNvSpPr/>
+          <p:nvPr/>
+        </p:nvSpPr>
+        <p:spPr>
+          <a:xfrm>
+            <a:off x="1645919" y="1257300"/>
+            <a:ext cx="1827001" cy="1805216"/>
+          </a:xfrm>
+          <a:prstGeom prst="wedgeRectCallout">
+            <a:avLst>
+              <a:gd name="adj1" fmla="val -71619"/>
+              <a:gd name="adj2" fmla="val 22089"/>
+            </a:avLst>
+          </a:prstGeom>
+          <a:solidFill>
+            <a:srgbClr val="FFFFFF">
+              <a:alpha val="74902"/>
+            </a:srgbClr>
+          </a:solidFill>
+          <a:ln>
+            <a:noFill/>
+          </a:ln>
+        </p:spPr>
+        <p:style>
+          <a:lnRef idx="2">
+            <a:schemeClr val="accent1">
+              <a:shade val="50000"/>
+            </a:schemeClr>
+          </a:lnRef>
+          <a:fillRef idx="1">
+            <a:schemeClr val="accent1"/>
+          </a:fillRef>
+          <a:effectRef idx="0">
+            <a:schemeClr val="accent1"/>
+          </a:effectRef>
+          <a:fontRef idx="minor">
+            <a:schemeClr val="lt1"/>
+          </a:fontRef>
+        </p:style>
+        <p:txBody>
+          <a:bodyPr rtlCol="0" anchor="ctr"/>
+          <a:lstStyle/>
+          <a:p>
+            <a:pPr algn="ctr"/>
+            <a:endParaRPr lang="en-US"/>
+          </a:p>
+        </p:txBody>
+      </p:sp>
+      <p:pic>
+        <p:nvPicPr>
+          <p:cNvPr id="22" name="Picture 21"/>
+          <p:cNvPicPr>
+            <a:picLocks noChangeAspect="1"/>
+          </p:cNvPicPr>
+          <p:nvPr/>
+        </p:nvPicPr>
+        <p:blipFill>
+          <a:blip r:embed="rId4">
+            <a:extLst>
+              <a:ext uri="{28A0092B-C50C-407E-A947-70E740481C1C}">
+                <a14:useLocalDpi xmlns:a14="http://schemas.microsoft.com/office/drawing/2010/main" val="0"/>
+              </a:ext>
+            </a:extLst>
+          </a:blip>
+          <a:stretch>
+            <a:fillRect/>
+          </a:stretch>
+        </p:blipFill>
+        <p:spPr>
+          <a:xfrm>
+            <a:off x="1642376" y="1233712"/>
+            <a:ext cx="1825264" cy="1825264"/>
+          </a:xfrm>
+          <a:prstGeom prst="rect">
+            <a:avLst/>
+          </a:prstGeom>
+        </p:spPr>
+      </p:pic>
+      <p:pic>
+        <p:nvPicPr>
+          <p:cNvPr id="23" name="Picture 22"/>
+          <p:cNvPicPr>
+            <a:picLocks noChangeAspect="1"/>
+          </p:cNvPicPr>
+          <p:nvPr/>
+        </p:nvPicPr>
+        <p:blipFill>
+          <a:blip r:embed="rId5">
+            <a:extLst>
+              <a:ext uri="{28A0092B-C50C-407E-A947-70E740481C1C}">
+                <a14:useLocalDpi xmlns:a14="http://schemas.microsoft.com/office/drawing/2010/main" val="0"/>
+              </a:ext>
+            </a:extLst>
+          </a:blip>
+          <a:stretch>
+            <a:fillRect/>
+          </a:stretch>
+        </p:blipFill>
+        <p:spPr>
+          <a:xfrm>
+            <a:off x="3528337" y="1233712"/>
+            <a:ext cx="1828804" cy="1828804"/>
+          </a:xfrm>
+          <a:prstGeom prst="rect">
+            <a:avLst/>
+          </a:prstGeom>
+        </p:spPr>
+      </p:pic>
+    </p:spTree>
+    <p:extLst>
+      <p:ext uri="{BB962C8B-B14F-4D97-AF65-F5344CB8AC3E}">
+        <p14:creationId xmlns:p14="http://schemas.microsoft.com/office/powerpoint/2010/main" val="1818039678"/>
+      </p:ext>
+    </p:extLst>
+  </p:cSld>
+  <p:clrMapOvr>
+    <a:masterClrMapping/>
+  </p:clrMapOvr>
+</p:sld>
+</file>
+
+<file path=ppt/slides/slide4.xml><?xml version="1.0" encoding="utf-8"?>
+<p:sld xmlns:a="http://schemas.openxmlformats.org/drawingml/2006/main" xmlns:r="http://schemas.openxmlformats.org/officeDocument/2006/relationships" xmlns:p="http://schemas.openxmlformats.org/presentationml/2006/main">
+  <p:cSld>
+    <p:spTree>
+      <p:nvGrpSpPr>
+        <p:cNvPr id="1" name=""/>
+        <p:cNvGrpSpPr/>
+        <p:nvPr/>
+      </p:nvGrpSpPr>
+      <p:grpSpPr>
+        <a:xfrm>
+          <a:off x="0" y="0"/>
+          <a:ext cx="0" cy="0"/>
+          <a:chOff x="0" y="0"/>
+          <a:chExt cx="0" cy="0"/>
+        </a:xfrm>
+      </p:grpSpPr>
+      <p:pic>
+        <p:nvPicPr>
+          <p:cNvPr id="5" name="Picture 4"/>
+          <p:cNvPicPr>
+            <a:picLocks noChangeAspect="1"/>
+          </p:cNvPicPr>
+          <p:nvPr/>
+        </p:nvPicPr>
+        <p:blipFill>
+          <a:blip r:embed="rId2" cstate="print">
+            <a:extLst>
+              <a:ext uri="{28A0092B-C50C-407E-A947-70E740481C1C}">
+                <a14:useLocalDpi xmlns:a14="http://schemas.microsoft.com/office/drawing/2010/main" val="0"/>
+              </a:ext>
+            </a:extLst>
+          </a:blip>
+          <a:stretch>
+            <a:fillRect/>
+          </a:stretch>
+        </p:blipFill>
+        <p:spPr>
+          <a:xfrm>
+            <a:off x="672559" y="2024976"/>
+            <a:ext cx="969818" cy="1371600"/>
+          </a:xfrm>
+          <a:prstGeom prst="rect">
+            <a:avLst/>
+          </a:prstGeom>
+        </p:spPr>
+      </p:pic>
+      <p:pic>
+        <p:nvPicPr>
+          <p:cNvPr id="3" name="Picture 2"/>
+          <p:cNvPicPr>
+            <a:picLocks noChangeAspect="1"/>
+          </p:cNvPicPr>
+          <p:nvPr/>
+        </p:nvPicPr>
+        <p:blipFill>
+          <a:blip r:embed="rId3" cstate="print">
+            <a:extLst>
+              <a:ext uri="{28A0092B-C50C-407E-A947-70E740481C1C}">
+                <a14:useLocalDpi xmlns:a14="http://schemas.microsoft.com/office/drawing/2010/main" val="0"/>
+              </a:ext>
+            </a:extLst>
+          </a:blip>
+          <a:stretch>
+            <a:fillRect/>
+          </a:stretch>
+        </p:blipFill>
+        <p:spPr>
+          <a:xfrm>
+            <a:off x="5357141" y="2024976"/>
+            <a:ext cx="969818" cy="1371600"/>
+          </a:xfrm>
+          <a:prstGeom prst="rect">
+            <a:avLst/>
+          </a:prstGeom>
+        </p:spPr>
+      </p:pic>
+      <p:sp>
+        <p:nvSpPr>
+          <p:cNvPr id="21" name="Rectangular Callout 20"/>
+          <p:cNvSpPr/>
+          <p:nvPr/>
+        </p:nvSpPr>
+        <p:spPr>
+          <a:xfrm>
+            <a:off x="3528338" y="1233712"/>
+            <a:ext cx="1828804" cy="1828804"/>
+          </a:xfrm>
+          <a:prstGeom prst="wedgeRectCallout">
+            <a:avLst>
+              <a:gd name="adj1" fmla="val 83593"/>
+              <a:gd name="adj2" fmla="val 22049"/>
+            </a:avLst>
+          </a:prstGeom>
+          <a:solidFill>
+            <a:srgbClr val="FFFFFF">
+              <a:alpha val="74902"/>
+            </a:srgbClr>
+          </a:solidFill>
+          <a:ln>
+            <a:noFill/>
+          </a:ln>
+        </p:spPr>
+        <p:style>
+          <a:lnRef idx="2">
+            <a:schemeClr val="accent1">
+              <a:shade val="50000"/>
+            </a:schemeClr>
+          </a:lnRef>
+          <a:fillRef idx="1">
+            <a:schemeClr val="accent1"/>
+          </a:fillRef>
+          <a:effectRef idx="0">
+            <a:schemeClr val="accent1"/>
+          </a:effectRef>
+          <a:fontRef idx="minor">
+            <a:schemeClr val="lt1"/>
+          </a:fontRef>
+        </p:style>
+        <p:txBody>
+          <a:bodyPr rtlCol="0" anchor="ctr"/>
+          <a:lstStyle/>
+          <a:p>
+            <a:pPr algn="ctr"/>
+            <a:endParaRPr lang="en-US"/>
+          </a:p>
+        </p:txBody>
+      </p:sp>
+      <p:sp>
+        <p:nvSpPr>
+          <p:cNvPr id="20" name="Rectangular Callout 19"/>
+          <p:cNvSpPr/>
+          <p:nvPr/>
+        </p:nvSpPr>
+        <p:spPr>
+          <a:xfrm>
+            <a:off x="1642377" y="1233712"/>
+            <a:ext cx="1830544" cy="1828804"/>
+          </a:xfrm>
+          <a:prstGeom prst="wedgeRectCallout">
+            <a:avLst>
+              <a:gd name="adj1" fmla="val -70926"/>
+              <a:gd name="adj2" fmla="val 22136"/>
+            </a:avLst>
+          </a:prstGeom>
+          <a:solidFill>
+            <a:srgbClr val="FFFFFF">
+              <a:alpha val="74902"/>
+            </a:srgbClr>
+          </a:solidFill>
+          <a:ln>
+            <a:noFill/>
+          </a:ln>
+        </p:spPr>
+        <p:style>
+          <a:lnRef idx="2">
+            <a:schemeClr val="accent1">
+              <a:shade val="50000"/>
+            </a:schemeClr>
+          </a:lnRef>
+          <a:fillRef idx="1">
+            <a:schemeClr val="accent1"/>
+          </a:fillRef>
+          <a:effectRef idx="0">
+            <a:schemeClr val="accent1"/>
+          </a:effectRef>
+          <a:fontRef idx="minor">
+            <a:schemeClr val="lt1"/>
+          </a:fontRef>
+        </p:style>
+        <p:txBody>
+          <a:bodyPr rtlCol="0" anchor="ctr"/>
+          <a:lstStyle/>
+          <a:p>
+            <a:pPr algn="ctr"/>
+            <a:endParaRPr lang="en-US"/>
+          </a:p>
+        </p:txBody>
+      </p:sp>
+      <p:pic>
+        <p:nvPicPr>
+          <p:cNvPr id="2" name="Picture 1"/>
+          <p:cNvPicPr>
+            <a:picLocks noChangeAspect="1"/>
+          </p:cNvPicPr>
+          <p:nvPr/>
+        </p:nvPicPr>
+        <p:blipFill>
+          <a:blip r:embed="rId4">
+            <a:extLst>
+              <a:ext uri="{28A0092B-C50C-407E-A947-70E740481C1C}">
+                <a14:useLocalDpi xmlns:a14="http://schemas.microsoft.com/office/drawing/2010/main" val="0"/>
+              </a:ext>
+            </a:extLst>
+          </a:blip>
+          <a:stretch>
+            <a:fillRect/>
+          </a:stretch>
+        </p:blipFill>
+        <p:spPr>
+          <a:xfrm>
+            <a:off x="3528337" y="1233712"/>
+            <a:ext cx="1828804" cy="1828804"/>
+          </a:xfrm>
+          <a:prstGeom prst="rect">
+            <a:avLst/>
+          </a:prstGeom>
+        </p:spPr>
+      </p:pic>
+      <p:pic>
+        <p:nvPicPr>
+          <p:cNvPr id="4" name="Picture 3"/>
+          <p:cNvPicPr>
+            <a:picLocks noChangeAspect="1"/>
+          </p:cNvPicPr>
+          <p:nvPr/>
+        </p:nvPicPr>
+        <p:blipFill>
+          <a:blip r:embed="rId5">
+            <a:extLst>
+              <a:ext uri="{28A0092B-C50C-407E-A947-70E740481C1C}">
+                <a14:useLocalDpi xmlns:a14="http://schemas.microsoft.com/office/drawing/2010/main" val="0"/>
+              </a:ext>
+            </a:extLst>
+          </a:blip>
+          <a:stretch>
+            <a:fillRect/>
+          </a:stretch>
+        </p:blipFill>
+        <p:spPr>
+          <a:xfrm>
+            <a:off x="1642376" y="1233712"/>
+            <a:ext cx="1828804" cy="1828804"/>
+          </a:xfrm>
+          <a:prstGeom prst="rect">
+            <a:avLst/>
+          </a:prstGeom>
+        </p:spPr>
+      </p:pic>
+      <p:grpSp>
+        <p:nvGrpSpPr>
+          <p:cNvPr id="51" name="Group 50"/>
+          <p:cNvGrpSpPr/>
+          <p:nvPr/>
+        </p:nvGrpSpPr>
+        <p:grpSpPr>
+          <a:xfrm>
+            <a:off x="361950" y="3436718"/>
+            <a:ext cx="5542864" cy="2307771"/>
+            <a:chOff x="361950" y="3436718"/>
+            <a:chExt cx="5542864" cy="2307771"/>
+          </a:xfrm>
+        </p:grpSpPr>
+        <p:cxnSp>
+          <p:nvCxnSpPr>
+            <p:cNvPr id="39" name="Straight Connector 38"/>
+            <p:cNvCxnSpPr/>
+            <p:nvPr/>
+          </p:nvCxnSpPr>
+          <p:spPr>
+            <a:xfrm flipH="1">
+              <a:off x="3170226" y="4102729"/>
+              <a:ext cx="1563699" cy="380260"/>
+            </a:xfrm>
+            <a:prstGeom prst="line">
+              <a:avLst/>
+            </a:prstGeom>
+          </p:spPr>
+          <p:style>
+            <a:lnRef idx="1">
+              <a:schemeClr val="dk1"/>
+            </a:lnRef>
+            <a:fillRef idx="0">
+              <a:schemeClr val="dk1"/>
+            </a:fillRef>
+            <a:effectRef idx="0">
+              <a:schemeClr val="dk1"/>
+            </a:effectRef>
+            <a:fontRef idx="minor">
+              <a:schemeClr val="tx1"/>
+            </a:fontRef>
+          </p:style>
+        </p:cxnSp>
+        <p:cxnSp>
+          <p:nvCxnSpPr>
+            <p:cNvPr id="42" name="Straight Connector 41"/>
+            <p:cNvCxnSpPr/>
+            <p:nvPr/>
+          </p:nvCxnSpPr>
+          <p:spPr>
+            <a:xfrm flipH="1">
+              <a:off x="3161614" y="4067175"/>
+              <a:ext cx="1491349" cy="742385"/>
+            </a:xfrm>
+            <a:prstGeom prst="line">
+              <a:avLst/>
+            </a:prstGeom>
+          </p:spPr>
+          <p:style>
+            <a:lnRef idx="1">
+              <a:schemeClr val="dk1"/>
+            </a:lnRef>
+            <a:fillRef idx="0">
+              <a:schemeClr val="dk1"/>
+            </a:fillRef>
+            <a:effectRef idx="0">
+              <a:schemeClr val="dk1"/>
+            </a:effectRef>
+            <a:fontRef idx="minor">
+              <a:schemeClr val="tx1"/>
+            </a:fontRef>
+          </p:style>
+        </p:cxnSp>
+        <p:cxnSp>
+          <p:nvCxnSpPr>
+            <p:cNvPr id="45" name="Straight Connector 44"/>
+            <p:cNvCxnSpPr/>
+            <p:nvPr/>
+          </p:nvCxnSpPr>
+          <p:spPr>
+            <a:xfrm>
+              <a:off x="4742537" y="4187840"/>
+              <a:ext cx="1161723" cy="295149"/>
+            </a:xfrm>
+            <a:prstGeom prst="line">
+              <a:avLst/>
+            </a:prstGeom>
+          </p:spPr>
+          <p:style>
+            <a:lnRef idx="1">
+              <a:schemeClr val="dk1"/>
+            </a:lnRef>
+            <a:fillRef idx="0">
+              <a:schemeClr val="dk1"/>
+            </a:fillRef>
+            <a:effectRef idx="0">
+              <a:schemeClr val="dk1"/>
+            </a:effectRef>
+            <a:fontRef idx="minor">
+              <a:schemeClr val="tx1"/>
+            </a:fontRef>
+          </p:style>
+        </p:cxnSp>
+        <p:cxnSp>
+          <p:nvCxnSpPr>
+            <p:cNvPr id="48" name="Straight Connector 47"/>
+            <p:cNvCxnSpPr/>
+            <p:nvPr/>
+          </p:nvCxnSpPr>
+          <p:spPr>
+            <a:xfrm>
+              <a:off x="4741983" y="4228541"/>
+              <a:ext cx="1162277" cy="560728"/>
+            </a:xfrm>
+            <a:prstGeom prst="line">
+              <a:avLst/>
+            </a:prstGeom>
+          </p:spPr>
+          <p:style>
+            <a:lnRef idx="1">
+              <a:schemeClr val="dk1"/>
+            </a:lnRef>
+            <a:fillRef idx="0">
+              <a:schemeClr val="dk1"/>
+            </a:fillRef>
+            <a:effectRef idx="0">
+              <a:schemeClr val="dk1"/>
+            </a:effectRef>
+            <a:fontRef idx="minor">
+              <a:schemeClr val="tx1"/>
+            </a:fontRef>
+          </p:style>
+        </p:cxnSp>
+        <p:cxnSp>
+          <p:nvCxnSpPr>
+            <p:cNvPr id="16" name="Straight Connector 15"/>
+            <p:cNvCxnSpPr/>
+            <p:nvPr/>
+          </p:nvCxnSpPr>
+          <p:spPr>
+            <a:xfrm flipV="1">
+              <a:off x="2083594" y="4809563"/>
+              <a:ext cx="1021556" cy="172012"/>
+            </a:xfrm>
+            <a:prstGeom prst="line">
+              <a:avLst/>
+            </a:prstGeom>
+          </p:spPr>
+          <p:style>
+            <a:lnRef idx="1">
+              <a:schemeClr val="dk1"/>
+            </a:lnRef>
+            <a:fillRef idx="0">
+              <a:schemeClr val="dk1"/>
+            </a:fillRef>
+            <a:effectRef idx="0">
+              <a:schemeClr val="dk1"/>
+            </a:effectRef>
+            <a:fontRef idx="minor">
+              <a:schemeClr val="tx1"/>
+            </a:fontRef>
+          </p:style>
+        </p:cxnSp>
+        <p:cxnSp>
+          <p:nvCxnSpPr>
+            <p:cNvPr id="9" name="Straight Connector 8"/>
+            <p:cNvCxnSpPr/>
+            <p:nvPr/>
+          </p:nvCxnSpPr>
+          <p:spPr>
+            <a:xfrm>
+              <a:off x="361950" y="4809562"/>
+              <a:ext cx="1114425" cy="188682"/>
+            </a:xfrm>
+            <a:prstGeom prst="line">
+              <a:avLst/>
+            </a:prstGeom>
+          </p:spPr>
+          <p:style>
+            <a:lnRef idx="1">
+              <a:schemeClr val="dk1"/>
+            </a:lnRef>
+            <a:fillRef idx="0">
+              <a:schemeClr val="dk1"/>
+            </a:fillRef>
+            <a:effectRef idx="0">
+              <a:schemeClr val="dk1"/>
+            </a:effectRef>
+            <a:fontRef idx="minor">
+              <a:schemeClr val="tx1"/>
+            </a:fontRef>
+          </p:style>
+        </p:cxnSp>
+        <p:cxnSp>
+          <p:nvCxnSpPr>
+            <p:cNvPr id="26" name="Straight Connector 25"/>
+            <p:cNvCxnSpPr/>
+            <p:nvPr/>
+          </p:nvCxnSpPr>
+          <p:spPr>
+            <a:xfrm flipV="1">
+              <a:off x="1851277" y="4482993"/>
+              <a:ext cx="1253873" cy="515251"/>
+            </a:xfrm>
+            <a:prstGeom prst="line">
+              <a:avLst/>
+            </a:prstGeom>
+          </p:spPr>
+          <p:style>
+            <a:lnRef idx="1">
+              <a:schemeClr val="dk1"/>
+            </a:lnRef>
+            <a:fillRef idx="0">
+              <a:schemeClr val="dk1"/>
+            </a:fillRef>
+            <a:effectRef idx="0">
+              <a:schemeClr val="dk1"/>
+            </a:effectRef>
+            <a:fontRef idx="minor">
+              <a:schemeClr val="tx1"/>
+            </a:fontRef>
+          </p:style>
+        </p:cxnSp>
+        <p:cxnSp>
+          <p:nvCxnSpPr>
+            <p:cNvPr id="18" name="Straight Connector 17"/>
+            <p:cNvCxnSpPr/>
+            <p:nvPr/>
+          </p:nvCxnSpPr>
+          <p:spPr>
+            <a:xfrm flipH="1" flipV="1">
+              <a:off x="361950" y="4482994"/>
+              <a:ext cx="882108" cy="369993"/>
+            </a:xfrm>
+            <a:prstGeom prst="line">
+              <a:avLst/>
+            </a:prstGeom>
+          </p:spPr>
+          <p:style>
+            <a:lnRef idx="1">
+              <a:schemeClr val="dk1"/>
+            </a:lnRef>
+            <a:fillRef idx="0">
+              <a:schemeClr val="dk1"/>
+            </a:fillRef>
+            <a:effectRef idx="0">
+              <a:schemeClr val="dk1"/>
+            </a:effectRef>
+            <a:fontRef idx="minor">
+              <a:schemeClr val="tx1"/>
+            </a:fontRef>
+          </p:style>
+        </p:cxnSp>
+        <p:pic>
+          <p:nvPicPr>
+            <p:cNvPr id="14" name="Picture 13"/>
+            <p:cNvPicPr>
+              <a:picLocks noChangeAspect="1"/>
+            </p:cNvPicPr>
+            <p:nvPr/>
+          </p:nvPicPr>
+          <p:blipFill>
+            <a:blip r:embed="rId2" cstate="print">
+              <a:extLst>
+                <a:ext uri="{28A0092B-C50C-407E-A947-70E740481C1C}">
+                  <a14:useLocalDpi xmlns:a14="http://schemas.microsoft.com/office/drawing/2010/main" val="0"/>
+                </a:ext>
+              </a:extLst>
+            </a:blip>
+            <a:stretch>
+              <a:fillRect/>
+            </a:stretch>
+          </p:blipFill>
+          <p:spPr>
+            <a:xfrm>
+              <a:off x="1244058" y="4372889"/>
+              <a:ext cx="969818" cy="1371600"/>
+            </a:xfrm>
+            <a:prstGeom prst="rect">
+              <a:avLst/>
+            </a:prstGeom>
+          </p:spPr>
+        </p:pic>
+        <p:sp>
+          <p:nvSpPr>
+            <p:cNvPr id="7" name="Flowchart: Process 6"/>
+            <p:cNvSpPr/>
+            <p:nvPr/>
+          </p:nvSpPr>
+          <p:spPr>
+            <a:xfrm>
+              <a:off x="1244058" y="4852988"/>
+              <a:ext cx="969818" cy="104772"/>
+            </a:xfrm>
+            <a:prstGeom prst="flowChartProcess">
+              <a:avLst/>
+            </a:prstGeom>
+            <a:solidFill>
+              <a:srgbClr val="FFFFFF">
+                <a:alpha val="50196"/>
+              </a:srgbClr>
+            </a:solidFill>
+            <a:ln>
+              <a:noFill/>
+            </a:ln>
+          </p:spPr>
+          <p:style>
+            <a:lnRef idx="2">
+              <a:schemeClr val="accent1">
+                <a:shade val="50000"/>
+              </a:schemeClr>
+            </a:lnRef>
+            <a:fillRef idx="1">
+              <a:schemeClr val="accent1"/>
+            </a:fillRef>
+            <a:effectRef idx="0">
+              <a:schemeClr val="accent1"/>
+            </a:effectRef>
+            <a:fontRef idx="minor">
+              <a:schemeClr val="lt1"/>
+            </a:fontRef>
+          </p:style>
+          <p:txBody>
+            <a:bodyPr rtlCol="0" anchor="ctr"/>
+            <a:lstStyle/>
+            <a:p>
+              <a:pPr algn="ctr"/>
+              <a:endParaRPr lang="en-US"/>
+            </a:p>
+          </p:txBody>
+        </p:sp>
+        <p:sp>
+          <p:nvSpPr>
+            <p:cNvPr id="24" name="Flowchart: Process 23"/>
+            <p:cNvSpPr/>
+            <p:nvPr/>
+          </p:nvSpPr>
+          <p:spPr>
+            <a:xfrm>
+              <a:off x="361950" y="4482991"/>
+              <a:ext cx="2743200" cy="326571"/>
+            </a:xfrm>
+            <a:prstGeom prst="flowChartProcess">
+              <a:avLst/>
+            </a:prstGeom>
+            <a:solidFill>
+              <a:schemeClr val="bg2"/>
+            </a:solidFill>
+            <a:ln>
+              <a:noFill/>
+            </a:ln>
+          </p:spPr>
+          <p:style>
+            <a:lnRef idx="2">
+              <a:schemeClr val="accent1">
+                <a:shade val="50000"/>
+              </a:schemeClr>
+            </a:lnRef>
+            <a:fillRef idx="1">
+              <a:schemeClr val="accent1"/>
+            </a:fillRef>
+            <a:effectRef idx="0">
+              <a:schemeClr val="accent1"/>
+            </a:effectRef>
+            <a:fontRef idx="minor">
+              <a:schemeClr val="lt1"/>
+            </a:fontRef>
+          </p:style>
+          <p:txBody>
+            <a:bodyPr rtlCol="0" anchor="ctr"/>
+            <a:lstStyle/>
+            <a:p>
+              <a:pPr algn="ctr"/>
+              <a:endParaRPr lang="en-US"/>
+            </a:p>
+          </p:txBody>
+        </p:sp>
+        <p:pic>
+          <p:nvPicPr>
+            <p:cNvPr id="6" name="Picture 5"/>
+            <p:cNvPicPr>
+              <a:picLocks noChangeAspect="1"/>
+            </p:cNvPicPr>
+            <p:nvPr/>
+          </p:nvPicPr>
+          <p:blipFill>
+            <a:blip r:embed="rId6" cstate="print">
+              <a:extLst>
+                <a:ext uri="{28A0092B-C50C-407E-A947-70E740481C1C}">
+                  <a14:useLocalDpi xmlns:a14="http://schemas.microsoft.com/office/drawing/2010/main" val="0"/>
+                </a:ext>
+              </a:extLst>
+            </a:blip>
+            <a:stretch>
+              <a:fillRect/>
+            </a:stretch>
+          </p:blipFill>
+          <p:spPr>
+            <a:xfrm>
+              <a:off x="361950" y="4482990"/>
+              <a:ext cx="2743200" cy="326571"/>
+            </a:xfrm>
+            <a:prstGeom prst="rect">
+              <a:avLst/>
+            </a:prstGeom>
+          </p:spPr>
+        </p:pic>
+        <p:pic>
+          <p:nvPicPr>
+            <p:cNvPr id="36" name="Picture 35"/>
+            <p:cNvPicPr>
+              <a:picLocks noChangeAspect="1"/>
+            </p:cNvPicPr>
+            <p:nvPr/>
+          </p:nvPicPr>
+          <p:blipFill>
+            <a:blip r:embed="rId7" cstate="print">
+              <a:extLst>
+                <a:ext uri="{28A0092B-C50C-407E-A947-70E740481C1C}">
+                  <a14:useLocalDpi xmlns:a14="http://schemas.microsoft.com/office/drawing/2010/main" val="0"/>
+                </a:ext>
+              </a:extLst>
+            </a:blip>
+            <a:stretch>
+              <a:fillRect/>
+            </a:stretch>
+          </p:blipFill>
+          <p:spPr>
+            <a:xfrm>
+              <a:off x="4052888" y="3436718"/>
+              <a:ext cx="969264" cy="2307771"/>
+            </a:xfrm>
+            <a:prstGeom prst="rect">
+              <a:avLst/>
+            </a:prstGeom>
+          </p:spPr>
+        </p:pic>
+        <p:pic>
+          <p:nvPicPr>
+            <p:cNvPr id="37" name="Picture 36"/>
+            <p:cNvPicPr>
+              <a:picLocks noChangeAspect="1"/>
+            </p:cNvPicPr>
+            <p:nvPr/>
+          </p:nvPicPr>
+          <p:blipFill>
+            <a:blip r:embed="rId8" cstate="print">
+              <a:extLst>
+                <a:ext uri="{28A0092B-C50C-407E-A947-70E740481C1C}">
+                  <a14:useLocalDpi xmlns:a14="http://schemas.microsoft.com/office/drawing/2010/main" val="0"/>
+                </a:ext>
+              </a:extLst>
+            </a:blip>
+            <a:stretch>
+              <a:fillRect/>
+            </a:stretch>
+          </p:blipFill>
+          <p:spPr>
+            <a:xfrm>
+              <a:off x="3161614" y="4482989"/>
+              <a:ext cx="2743200" cy="326571"/>
+            </a:xfrm>
+            <a:prstGeom prst="rect">
+              <a:avLst/>
+            </a:prstGeom>
+          </p:spPr>
+        </p:pic>
+        <p:sp>
+          <p:nvSpPr>
+            <p:cNvPr id="38" name="Flowchart: Process 37"/>
+            <p:cNvSpPr/>
+            <p:nvPr/>
+          </p:nvSpPr>
+          <p:spPr>
+            <a:xfrm>
+              <a:off x="4052334" y="4268683"/>
+              <a:ext cx="969818" cy="104772"/>
+            </a:xfrm>
+            <a:prstGeom prst="flowChartProcess">
+              <a:avLst/>
+            </a:prstGeom>
+            <a:solidFill>
+              <a:srgbClr val="FFFFFF">
+                <a:alpha val="50196"/>
+              </a:srgbClr>
+            </a:solidFill>
+            <a:ln>
+              <a:noFill/>
+            </a:ln>
+          </p:spPr>
+          <p:style>
+            <a:lnRef idx="2">
+              <a:schemeClr val="accent1">
+                <a:shade val="50000"/>
+              </a:schemeClr>
+            </a:lnRef>
+            <a:fillRef idx="1">
+              <a:schemeClr val="accent1"/>
+            </a:fillRef>
+            <a:effectRef idx="0">
+              <a:schemeClr val="accent1"/>
+            </a:effectRef>
+            <a:fontRef idx="minor">
+              <a:schemeClr val="lt1"/>
+            </a:fontRef>
+          </p:style>
+          <p:txBody>
+            <a:bodyPr rtlCol="0" anchor="ctr"/>
+            <a:lstStyle/>
+            <a:p>
+              <a:pPr algn="ctr"/>
+              <a:endParaRPr lang="en-US"/>
+            </a:p>
+          </p:txBody>
+        </p:sp>
+      </p:grpSp>
+    </p:spTree>
+    <p:extLst>
+      <p:ext uri="{BB962C8B-B14F-4D97-AF65-F5344CB8AC3E}">
+        <p14:creationId xmlns:p14="http://schemas.microsoft.com/office/powerpoint/2010/main" val="3858247798"/>
       </p:ext>
     </p:extLst>
   </p:cSld>

--- a/Presentation1.pptx
+++ b/Presentation1.pptx
@@ -2,15 +2,16 @@
 <file path=ppt/presentation.xml><?xml version="1.0" encoding="utf-8"?>
 <p:presentation xmlns:a="http://schemas.openxmlformats.org/drawingml/2006/main" xmlns:r="http://schemas.openxmlformats.org/officeDocument/2006/relationships" xmlns:p="http://schemas.openxmlformats.org/presentationml/2006/main" saveSubsetFonts="1">
   <p:sldMasterIdLst>
-    <p:sldMasterId id="2147483660" r:id="rId1"/>
+    <p:sldMasterId id="2147483672" r:id="rId1"/>
   </p:sldMasterIdLst>
   <p:sldIdLst>
     <p:sldId id="256" r:id="rId2"/>
     <p:sldId id="257" r:id="rId3"/>
     <p:sldId id="258" r:id="rId4"/>
     <p:sldId id="259" r:id="rId5"/>
+    <p:sldId id="260" r:id="rId6"/>
   </p:sldIdLst>
-  <p:sldSz cx="6858000" cy="9906000" type="A4"/>
+  <p:sldSz cx="17610138" cy="9906000"/>
   <p:notesSz cx="6858000" cy="9144000"/>
   <p:defaultTextStyle>
     <a:defPPr>
@@ -144,15 +145,15 @@
         </p:nvSpPr>
         <p:spPr>
           <a:xfrm>
-            <a:off x="514350" y="1621191"/>
-            <a:ext cx="5829300" cy="3448756"/>
+            <a:off x="2201267" y="1621191"/>
+            <a:ext cx="13207604" cy="3448756"/>
           </a:xfrm>
         </p:spPr>
         <p:txBody>
           <a:bodyPr anchor="b"/>
           <a:lstStyle>
             <a:lvl1pPr algn="ctr">
-              <a:defRPr sz="4500"/>
+              <a:defRPr sz="8666"/>
             </a:lvl1pPr>
           </a:lstStyle>
           <a:p>
@@ -176,8 +177,8 @@
         </p:nvSpPr>
         <p:spPr>
           <a:xfrm>
-            <a:off x="857250" y="5202944"/>
-            <a:ext cx="5143500" cy="2391656"/>
+            <a:off x="2201267" y="5202944"/>
+            <a:ext cx="13207604" cy="2391656"/>
           </a:xfrm>
         </p:spPr>
         <p:txBody>
@@ -185,39 +186,39 @@
           <a:lstStyle>
             <a:lvl1pPr marL="0" indent="0" algn="ctr">
               <a:buNone/>
-              <a:defRPr sz="1800"/>
+              <a:defRPr sz="3467"/>
             </a:lvl1pPr>
-            <a:lvl2pPr marL="342900" indent="0" algn="ctr">
+            <a:lvl2pPr marL="660380" indent="0" algn="ctr">
               <a:buNone/>
-              <a:defRPr sz="1500"/>
+              <a:defRPr sz="2889"/>
             </a:lvl2pPr>
-            <a:lvl3pPr marL="685800" indent="0" algn="ctr">
+            <a:lvl3pPr marL="1320759" indent="0" algn="ctr">
               <a:buNone/>
-              <a:defRPr sz="1350"/>
+              <a:defRPr sz="2600"/>
             </a:lvl3pPr>
-            <a:lvl4pPr marL="1028700" indent="0" algn="ctr">
+            <a:lvl4pPr marL="1981139" indent="0" algn="ctr">
               <a:buNone/>
-              <a:defRPr sz="1200"/>
+              <a:defRPr sz="2311"/>
             </a:lvl4pPr>
-            <a:lvl5pPr marL="1371600" indent="0" algn="ctr">
+            <a:lvl5pPr marL="2641519" indent="0" algn="ctr">
               <a:buNone/>
-              <a:defRPr sz="1200"/>
+              <a:defRPr sz="2311"/>
             </a:lvl5pPr>
-            <a:lvl6pPr marL="1714500" indent="0" algn="ctr">
+            <a:lvl6pPr marL="3301898" indent="0" algn="ctr">
               <a:buNone/>
-              <a:defRPr sz="1200"/>
+              <a:defRPr sz="2311"/>
             </a:lvl6pPr>
-            <a:lvl7pPr marL="2057400" indent="0" algn="ctr">
+            <a:lvl7pPr marL="3962278" indent="0" algn="ctr">
               <a:buNone/>
-              <a:defRPr sz="1200"/>
+              <a:defRPr sz="2311"/>
             </a:lvl7pPr>
-            <a:lvl8pPr marL="2400300" indent="0" algn="ctr">
+            <a:lvl8pPr marL="4622658" indent="0" algn="ctr">
               <a:buNone/>
-              <a:defRPr sz="1200"/>
+              <a:defRPr sz="2311"/>
             </a:lvl8pPr>
-            <a:lvl9pPr marL="2743200" indent="0" algn="ctr">
+            <a:lvl9pPr marL="5283037" indent="0" algn="ctr">
               <a:buNone/>
-              <a:defRPr sz="1200"/>
+              <a:defRPr sz="2311"/>
             </a:lvl9pPr>
           </a:lstStyle>
           <a:p>
@@ -246,7 +247,7 @@
           <a:p>
             <a:fld id="{C5B85805-CA19-40AF-800A-044DEDEF4700}" type="datetimeFigureOut">
               <a:rPr lang="en-US" smtClean="0"/>
-              <a:t>29/11/2022</a:t>
+              <a:t>30/11/2022</a:t>
             </a:fld>
             <a:endParaRPr lang="en-US"/>
           </a:p>
@@ -297,7 +298,7 @@
     </p:spTree>
     <p:extLst>
       <p:ext uri="{BB962C8B-B14F-4D97-AF65-F5344CB8AC3E}">
-        <p14:creationId xmlns:p14="http://schemas.microsoft.com/office/powerpoint/2010/main" val="795361828"/>
+        <p14:creationId xmlns:p14="http://schemas.microsoft.com/office/powerpoint/2010/main" val="3855980534"/>
       </p:ext>
     </p:extLst>
   </p:cSld>
@@ -416,7 +417,7 @@
           <a:p>
             <a:fld id="{C5B85805-CA19-40AF-800A-044DEDEF4700}" type="datetimeFigureOut">
               <a:rPr lang="en-US" smtClean="0"/>
-              <a:t>29/11/2022</a:t>
+              <a:t>30/11/2022</a:t>
             </a:fld>
             <a:endParaRPr lang="en-US"/>
           </a:p>
@@ -467,7 +468,7 @@
     </p:spTree>
     <p:extLst>
       <p:ext uri="{BB962C8B-B14F-4D97-AF65-F5344CB8AC3E}">
-        <p14:creationId xmlns:p14="http://schemas.microsoft.com/office/powerpoint/2010/main" val="2864555692"/>
+        <p14:creationId xmlns:p14="http://schemas.microsoft.com/office/powerpoint/2010/main" val="4069132498"/>
       </p:ext>
     </p:extLst>
   </p:cSld>
@@ -506,8 +507,8 @@
         </p:nvSpPr>
         <p:spPr>
           <a:xfrm>
-            <a:off x="4907757" y="527403"/>
-            <a:ext cx="1478756" cy="8394877"/>
+            <a:off x="12602255" y="527403"/>
+            <a:ext cx="3797186" cy="8394877"/>
           </a:xfrm>
         </p:spPr>
         <p:txBody>
@@ -534,8 +535,8 @@
         </p:nvSpPr>
         <p:spPr>
           <a:xfrm>
-            <a:off x="471488" y="527403"/>
-            <a:ext cx="4350544" cy="8394877"/>
+            <a:off x="1210697" y="527403"/>
+            <a:ext cx="11171431" cy="8394877"/>
           </a:xfrm>
         </p:spPr>
         <p:txBody>
@@ -596,7 +597,7 @@
           <a:p>
             <a:fld id="{C5B85805-CA19-40AF-800A-044DEDEF4700}" type="datetimeFigureOut">
               <a:rPr lang="en-US" smtClean="0"/>
-              <a:t>29/11/2022</a:t>
+              <a:t>30/11/2022</a:t>
             </a:fld>
             <a:endParaRPr lang="en-US"/>
           </a:p>
@@ -647,7 +648,7 @@
     </p:spTree>
     <p:extLst>
       <p:ext uri="{BB962C8B-B14F-4D97-AF65-F5344CB8AC3E}">
-        <p14:creationId xmlns:p14="http://schemas.microsoft.com/office/powerpoint/2010/main" val="2373455774"/>
+        <p14:creationId xmlns:p14="http://schemas.microsoft.com/office/powerpoint/2010/main" val="571333254"/>
       </p:ext>
     </p:extLst>
   </p:cSld>
@@ -766,7 +767,7 @@
           <a:p>
             <a:fld id="{C5B85805-CA19-40AF-800A-044DEDEF4700}" type="datetimeFigureOut">
               <a:rPr lang="en-US" smtClean="0"/>
-              <a:t>29/11/2022</a:t>
+              <a:t>30/11/2022</a:t>
             </a:fld>
             <a:endParaRPr lang="en-US"/>
           </a:p>
@@ -817,7 +818,7 @@
     </p:spTree>
     <p:extLst>
       <p:ext uri="{BB962C8B-B14F-4D97-AF65-F5344CB8AC3E}">
-        <p14:creationId xmlns:p14="http://schemas.microsoft.com/office/powerpoint/2010/main" val="2908026390"/>
+        <p14:creationId xmlns:p14="http://schemas.microsoft.com/office/powerpoint/2010/main" val="1814778091"/>
       </p:ext>
     </p:extLst>
   </p:cSld>
@@ -856,15 +857,15 @@
         </p:nvSpPr>
         <p:spPr>
           <a:xfrm>
-            <a:off x="467916" y="2469624"/>
-            <a:ext cx="5915025" cy="4120620"/>
+            <a:off x="1201525" y="2469622"/>
+            <a:ext cx="15188744" cy="4120620"/>
           </a:xfrm>
         </p:spPr>
         <p:txBody>
           <a:bodyPr anchor="b"/>
           <a:lstStyle>
             <a:lvl1pPr>
-              <a:defRPr sz="4500"/>
+              <a:defRPr sz="8666"/>
             </a:lvl1pPr>
           </a:lstStyle>
           <a:p>
@@ -888,8 +889,8 @@
         </p:nvSpPr>
         <p:spPr>
           <a:xfrm>
-            <a:off x="467916" y="6629226"/>
-            <a:ext cx="5915025" cy="2166937"/>
+            <a:off x="1201525" y="6629225"/>
+            <a:ext cx="15188744" cy="2166937"/>
           </a:xfrm>
         </p:spPr>
         <p:txBody>
@@ -897,15 +898,17 @@
           <a:lstStyle>
             <a:lvl1pPr marL="0" indent="0">
               <a:buNone/>
-              <a:defRPr sz="1800">
+              <a:defRPr sz="3467">
                 <a:solidFill>
-                  <a:schemeClr val="tx1"/>
+                  <a:schemeClr val="tx1">
+                    <a:tint val="75000"/>
+                  </a:schemeClr>
                 </a:solidFill>
               </a:defRPr>
             </a:lvl1pPr>
-            <a:lvl2pPr marL="342900" indent="0">
+            <a:lvl2pPr marL="660380" indent="0">
               <a:buNone/>
-              <a:defRPr sz="1500">
+              <a:defRPr sz="2889">
                 <a:solidFill>
                   <a:schemeClr val="tx1">
                     <a:tint val="75000"/>
@@ -913,9 +916,9 @@
                 </a:solidFill>
               </a:defRPr>
             </a:lvl2pPr>
-            <a:lvl3pPr marL="685800" indent="0">
+            <a:lvl3pPr marL="1320759" indent="0">
               <a:buNone/>
-              <a:defRPr sz="1350">
+              <a:defRPr sz="2600">
                 <a:solidFill>
                   <a:schemeClr val="tx1">
                     <a:tint val="75000"/>
@@ -923,9 +926,9 @@
                 </a:solidFill>
               </a:defRPr>
             </a:lvl3pPr>
-            <a:lvl4pPr marL="1028700" indent="0">
+            <a:lvl4pPr marL="1981139" indent="0">
               <a:buNone/>
-              <a:defRPr sz="1200">
+              <a:defRPr sz="2311">
                 <a:solidFill>
                   <a:schemeClr val="tx1">
                     <a:tint val="75000"/>
@@ -933,9 +936,9 @@
                 </a:solidFill>
               </a:defRPr>
             </a:lvl4pPr>
-            <a:lvl5pPr marL="1371600" indent="0">
+            <a:lvl5pPr marL="2641519" indent="0">
               <a:buNone/>
-              <a:defRPr sz="1200">
+              <a:defRPr sz="2311">
                 <a:solidFill>
                   <a:schemeClr val="tx1">
                     <a:tint val="75000"/>
@@ -943,9 +946,9 @@
                 </a:solidFill>
               </a:defRPr>
             </a:lvl5pPr>
-            <a:lvl6pPr marL="1714500" indent="0">
+            <a:lvl6pPr marL="3301898" indent="0">
               <a:buNone/>
-              <a:defRPr sz="1200">
+              <a:defRPr sz="2311">
                 <a:solidFill>
                   <a:schemeClr val="tx1">
                     <a:tint val="75000"/>
@@ -953,9 +956,9 @@
                 </a:solidFill>
               </a:defRPr>
             </a:lvl6pPr>
-            <a:lvl7pPr marL="2057400" indent="0">
+            <a:lvl7pPr marL="3962278" indent="0">
               <a:buNone/>
-              <a:defRPr sz="1200">
+              <a:defRPr sz="2311">
                 <a:solidFill>
                   <a:schemeClr val="tx1">
                     <a:tint val="75000"/>
@@ -963,9 +966,9 @@
                 </a:solidFill>
               </a:defRPr>
             </a:lvl7pPr>
-            <a:lvl8pPr marL="2400300" indent="0">
+            <a:lvl8pPr marL="4622658" indent="0">
               <a:buNone/>
-              <a:defRPr sz="1200">
+              <a:defRPr sz="2311">
                 <a:solidFill>
                   <a:schemeClr val="tx1">
                     <a:tint val="75000"/>
@@ -973,9 +976,9 @@
                 </a:solidFill>
               </a:defRPr>
             </a:lvl8pPr>
-            <a:lvl9pPr marL="2743200" indent="0">
+            <a:lvl9pPr marL="5283037" indent="0">
               <a:buNone/>
-              <a:defRPr sz="1200">
+              <a:defRPr sz="2311">
                 <a:solidFill>
                   <a:schemeClr val="tx1">
                     <a:tint val="75000"/>
@@ -1010,7 +1013,7 @@
           <a:p>
             <a:fld id="{C5B85805-CA19-40AF-800A-044DEDEF4700}" type="datetimeFigureOut">
               <a:rPr lang="en-US" smtClean="0"/>
-              <a:t>29/11/2022</a:t>
+              <a:t>30/11/2022</a:t>
             </a:fld>
             <a:endParaRPr lang="en-US"/>
           </a:p>
@@ -1061,7 +1064,7 @@
     </p:spTree>
     <p:extLst>
       <p:ext uri="{BB962C8B-B14F-4D97-AF65-F5344CB8AC3E}">
-        <p14:creationId xmlns:p14="http://schemas.microsoft.com/office/powerpoint/2010/main" val="2165419309"/>
+        <p14:creationId xmlns:p14="http://schemas.microsoft.com/office/powerpoint/2010/main" val="3304429696"/>
       </p:ext>
     </p:extLst>
   </p:cSld>
@@ -1123,8 +1126,8 @@
         </p:nvSpPr>
         <p:spPr>
           <a:xfrm>
-            <a:off x="471488" y="2637014"/>
-            <a:ext cx="2914650" cy="6285266"/>
+            <a:off x="1210697" y="2637014"/>
+            <a:ext cx="7484309" cy="6285266"/>
           </a:xfrm>
         </p:spPr>
         <p:txBody>
@@ -1180,8 +1183,8 @@
         </p:nvSpPr>
         <p:spPr>
           <a:xfrm>
-            <a:off x="3471863" y="2637014"/>
-            <a:ext cx="2914650" cy="6285266"/>
+            <a:off x="8915132" y="2637014"/>
+            <a:ext cx="7484309" cy="6285266"/>
           </a:xfrm>
         </p:spPr>
         <p:txBody>
@@ -1242,7 +1245,7 @@
           <a:p>
             <a:fld id="{C5B85805-CA19-40AF-800A-044DEDEF4700}" type="datetimeFigureOut">
               <a:rPr lang="en-US" smtClean="0"/>
-              <a:t>29/11/2022</a:t>
+              <a:t>30/11/2022</a:t>
             </a:fld>
             <a:endParaRPr lang="en-US"/>
           </a:p>
@@ -1293,7 +1296,7 @@
     </p:spTree>
     <p:extLst>
       <p:ext uri="{BB962C8B-B14F-4D97-AF65-F5344CB8AC3E}">
-        <p14:creationId xmlns:p14="http://schemas.microsoft.com/office/powerpoint/2010/main" val="3266488498"/>
+        <p14:creationId xmlns:p14="http://schemas.microsoft.com/office/powerpoint/2010/main" val="3349072139"/>
       </p:ext>
     </p:extLst>
   </p:cSld>
@@ -1332,8 +1335,8 @@
         </p:nvSpPr>
         <p:spPr>
           <a:xfrm>
-            <a:off x="472381" y="527405"/>
-            <a:ext cx="5915025" cy="1914702"/>
+            <a:off x="1212991" y="527404"/>
+            <a:ext cx="15188744" cy="1914702"/>
           </a:xfrm>
         </p:spPr>
         <p:txBody>
@@ -1360,8 +1363,8 @@
         </p:nvSpPr>
         <p:spPr>
           <a:xfrm>
-            <a:off x="472381" y="2428347"/>
-            <a:ext cx="2901255" cy="1190095"/>
+            <a:off x="1212991" y="2428347"/>
+            <a:ext cx="7449913" cy="1190095"/>
           </a:xfrm>
         </p:spPr>
         <p:txBody>
@@ -1369,39 +1372,39 @@
           <a:lstStyle>
             <a:lvl1pPr marL="0" indent="0">
               <a:buNone/>
-              <a:defRPr sz="1800" b="1"/>
+              <a:defRPr sz="3467" b="1"/>
             </a:lvl1pPr>
-            <a:lvl2pPr marL="342900" indent="0">
+            <a:lvl2pPr marL="660380" indent="0">
               <a:buNone/>
-              <a:defRPr sz="1500" b="1"/>
+              <a:defRPr sz="2889" b="1"/>
             </a:lvl2pPr>
-            <a:lvl3pPr marL="685800" indent="0">
+            <a:lvl3pPr marL="1320759" indent="0">
               <a:buNone/>
-              <a:defRPr sz="1350" b="1"/>
+              <a:defRPr sz="2600" b="1"/>
             </a:lvl3pPr>
-            <a:lvl4pPr marL="1028700" indent="0">
+            <a:lvl4pPr marL="1981139" indent="0">
               <a:buNone/>
-              <a:defRPr sz="1200" b="1"/>
+              <a:defRPr sz="2311" b="1"/>
             </a:lvl4pPr>
-            <a:lvl5pPr marL="1371600" indent="0">
+            <a:lvl5pPr marL="2641519" indent="0">
               <a:buNone/>
-              <a:defRPr sz="1200" b="1"/>
+              <a:defRPr sz="2311" b="1"/>
             </a:lvl5pPr>
-            <a:lvl6pPr marL="1714500" indent="0">
+            <a:lvl6pPr marL="3301898" indent="0">
               <a:buNone/>
-              <a:defRPr sz="1200" b="1"/>
+              <a:defRPr sz="2311" b="1"/>
             </a:lvl6pPr>
-            <a:lvl7pPr marL="2057400" indent="0">
+            <a:lvl7pPr marL="3962278" indent="0">
               <a:buNone/>
-              <a:defRPr sz="1200" b="1"/>
+              <a:defRPr sz="2311" b="1"/>
             </a:lvl7pPr>
-            <a:lvl8pPr marL="2400300" indent="0">
+            <a:lvl8pPr marL="4622658" indent="0">
               <a:buNone/>
-              <a:defRPr sz="1200" b="1"/>
+              <a:defRPr sz="2311" b="1"/>
             </a:lvl8pPr>
-            <a:lvl9pPr marL="2743200" indent="0">
+            <a:lvl9pPr marL="5283037" indent="0">
               <a:buNone/>
-              <a:defRPr sz="1200" b="1"/>
+              <a:defRPr sz="2311" b="1"/>
             </a:lvl9pPr>
           </a:lstStyle>
           <a:p>
@@ -1425,8 +1428,8 @@
         </p:nvSpPr>
         <p:spPr>
           <a:xfrm>
-            <a:off x="472381" y="3618442"/>
-            <a:ext cx="2901255" cy="5322183"/>
+            <a:off x="1212991" y="3618442"/>
+            <a:ext cx="7449913" cy="5322183"/>
           </a:xfrm>
         </p:spPr>
         <p:txBody>
@@ -1482,8 +1485,8 @@
         </p:nvSpPr>
         <p:spPr>
           <a:xfrm>
-            <a:off x="3471863" y="2428347"/>
-            <a:ext cx="2915543" cy="1190095"/>
+            <a:off x="8915133" y="2428347"/>
+            <a:ext cx="7486602" cy="1190095"/>
           </a:xfrm>
         </p:spPr>
         <p:txBody>
@@ -1491,39 +1494,39 @@
           <a:lstStyle>
             <a:lvl1pPr marL="0" indent="0">
               <a:buNone/>
-              <a:defRPr sz="1800" b="1"/>
+              <a:defRPr sz="3467" b="1"/>
             </a:lvl1pPr>
-            <a:lvl2pPr marL="342900" indent="0">
+            <a:lvl2pPr marL="660380" indent="0">
               <a:buNone/>
-              <a:defRPr sz="1500" b="1"/>
+              <a:defRPr sz="2889" b="1"/>
             </a:lvl2pPr>
-            <a:lvl3pPr marL="685800" indent="0">
+            <a:lvl3pPr marL="1320759" indent="0">
               <a:buNone/>
-              <a:defRPr sz="1350" b="1"/>
+              <a:defRPr sz="2600" b="1"/>
             </a:lvl3pPr>
-            <a:lvl4pPr marL="1028700" indent="0">
+            <a:lvl4pPr marL="1981139" indent="0">
               <a:buNone/>
-              <a:defRPr sz="1200" b="1"/>
+              <a:defRPr sz="2311" b="1"/>
             </a:lvl4pPr>
-            <a:lvl5pPr marL="1371600" indent="0">
+            <a:lvl5pPr marL="2641519" indent="0">
               <a:buNone/>
-              <a:defRPr sz="1200" b="1"/>
+              <a:defRPr sz="2311" b="1"/>
             </a:lvl5pPr>
-            <a:lvl6pPr marL="1714500" indent="0">
+            <a:lvl6pPr marL="3301898" indent="0">
               <a:buNone/>
-              <a:defRPr sz="1200" b="1"/>
+              <a:defRPr sz="2311" b="1"/>
             </a:lvl6pPr>
-            <a:lvl7pPr marL="2057400" indent="0">
+            <a:lvl7pPr marL="3962278" indent="0">
               <a:buNone/>
-              <a:defRPr sz="1200" b="1"/>
+              <a:defRPr sz="2311" b="1"/>
             </a:lvl7pPr>
-            <a:lvl8pPr marL="2400300" indent="0">
+            <a:lvl8pPr marL="4622658" indent="0">
               <a:buNone/>
-              <a:defRPr sz="1200" b="1"/>
+              <a:defRPr sz="2311" b="1"/>
             </a:lvl8pPr>
-            <a:lvl9pPr marL="2743200" indent="0">
+            <a:lvl9pPr marL="5283037" indent="0">
               <a:buNone/>
-              <a:defRPr sz="1200" b="1"/>
+              <a:defRPr sz="2311" b="1"/>
             </a:lvl9pPr>
           </a:lstStyle>
           <a:p>
@@ -1547,8 +1550,8 @@
         </p:nvSpPr>
         <p:spPr>
           <a:xfrm>
-            <a:off x="3471863" y="3618442"/>
-            <a:ext cx="2915543" cy="5322183"/>
+            <a:off x="8915133" y="3618442"/>
+            <a:ext cx="7486602" cy="5322183"/>
           </a:xfrm>
         </p:spPr>
         <p:txBody>
@@ -1609,7 +1612,7 @@
           <a:p>
             <a:fld id="{C5B85805-CA19-40AF-800A-044DEDEF4700}" type="datetimeFigureOut">
               <a:rPr lang="en-US" smtClean="0"/>
-              <a:t>29/11/2022</a:t>
+              <a:t>30/11/2022</a:t>
             </a:fld>
             <a:endParaRPr lang="en-US"/>
           </a:p>
@@ -1660,7 +1663,7 @@
     </p:spTree>
     <p:extLst>
       <p:ext uri="{BB962C8B-B14F-4D97-AF65-F5344CB8AC3E}">
-        <p14:creationId xmlns:p14="http://schemas.microsoft.com/office/powerpoint/2010/main" val="3114447413"/>
+        <p14:creationId xmlns:p14="http://schemas.microsoft.com/office/powerpoint/2010/main" val="598217758"/>
       </p:ext>
     </p:extLst>
   </p:cSld>
@@ -1727,7 +1730,7 @@
           <a:p>
             <a:fld id="{C5B85805-CA19-40AF-800A-044DEDEF4700}" type="datetimeFigureOut">
               <a:rPr lang="en-US" smtClean="0"/>
-              <a:t>29/11/2022</a:t>
+              <a:t>30/11/2022</a:t>
             </a:fld>
             <a:endParaRPr lang="en-US"/>
           </a:p>
@@ -1778,7 +1781,7 @@
     </p:spTree>
     <p:extLst>
       <p:ext uri="{BB962C8B-B14F-4D97-AF65-F5344CB8AC3E}">
-        <p14:creationId xmlns:p14="http://schemas.microsoft.com/office/powerpoint/2010/main" val="1473192283"/>
+        <p14:creationId xmlns:p14="http://schemas.microsoft.com/office/powerpoint/2010/main" val="2464160693"/>
       </p:ext>
     </p:extLst>
   </p:cSld>
@@ -1822,7 +1825,7 @@
           <a:p>
             <a:fld id="{C5B85805-CA19-40AF-800A-044DEDEF4700}" type="datetimeFigureOut">
               <a:rPr lang="en-US" smtClean="0"/>
-              <a:t>29/11/2022</a:t>
+              <a:t>30/11/2022</a:t>
             </a:fld>
             <a:endParaRPr lang="en-US"/>
           </a:p>
@@ -1873,7 +1876,7 @@
     </p:spTree>
     <p:extLst>
       <p:ext uri="{BB962C8B-B14F-4D97-AF65-F5344CB8AC3E}">
-        <p14:creationId xmlns:p14="http://schemas.microsoft.com/office/powerpoint/2010/main" val="679516168"/>
+        <p14:creationId xmlns:p14="http://schemas.microsoft.com/office/powerpoint/2010/main" val="1787273862"/>
       </p:ext>
     </p:extLst>
   </p:cSld>
@@ -1912,15 +1915,15 @@
         </p:nvSpPr>
         <p:spPr>
           <a:xfrm>
-            <a:off x="472381" y="660400"/>
-            <a:ext cx="2211884" cy="2311400"/>
+            <a:off x="1212992" y="660400"/>
+            <a:ext cx="5679727" cy="2311400"/>
           </a:xfrm>
         </p:spPr>
         <p:txBody>
           <a:bodyPr anchor="b"/>
           <a:lstStyle>
             <a:lvl1pPr>
-              <a:defRPr sz="2400"/>
+              <a:defRPr sz="4622"/>
             </a:lvl1pPr>
           </a:lstStyle>
           <a:p>
@@ -1944,39 +1947,39 @@
         </p:nvSpPr>
         <p:spPr>
           <a:xfrm>
-            <a:off x="2915543" y="1426283"/>
-            <a:ext cx="3471863" cy="7039681"/>
+            <a:off x="7486603" y="1426281"/>
+            <a:ext cx="8915132" cy="7039681"/>
           </a:xfrm>
         </p:spPr>
         <p:txBody>
           <a:bodyPr/>
           <a:lstStyle>
             <a:lvl1pPr>
-              <a:defRPr sz="2400"/>
+              <a:defRPr sz="4622"/>
             </a:lvl1pPr>
             <a:lvl2pPr>
-              <a:defRPr sz="2100"/>
+              <a:defRPr sz="4044"/>
             </a:lvl2pPr>
             <a:lvl3pPr>
-              <a:defRPr sz="1800"/>
+              <a:defRPr sz="3467"/>
             </a:lvl3pPr>
             <a:lvl4pPr>
-              <a:defRPr sz="1500"/>
+              <a:defRPr sz="2889"/>
             </a:lvl4pPr>
             <a:lvl5pPr>
-              <a:defRPr sz="1500"/>
+              <a:defRPr sz="2889"/>
             </a:lvl5pPr>
             <a:lvl6pPr>
-              <a:defRPr sz="1500"/>
+              <a:defRPr sz="2889"/>
             </a:lvl6pPr>
             <a:lvl7pPr>
-              <a:defRPr sz="1500"/>
+              <a:defRPr sz="2889"/>
             </a:lvl7pPr>
             <a:lvl8pPr>
-              <a:defRPr sz="1500"/>
+              <a:defRPr sz="2889"/>
             </a:lvl8pPr>
             <a:lvl9pPr>
-              <a:defRPr sz="1500"/>
+              <a:defRPr sz="2889"/>
             </a:lvl9pPr>
           </a:lstStyle>
           <a:p>
@@ -2029,8 +2032,8 @@
         </p:nvSpPr>
         <p:spPr>
           <a:xfrm>
-            <a:off x="472381" y="2971800"/>
-            <a:ext cx="2211884" cy="5505627"/>
+            <a:off x="1212992" y="2971800"/>
+            <a:ext cx="5679727" cy="5505627"/>
           </a:xfrm>
         </p:spPr>
         <p:txBody>
@@ -2038,39 +2041,39 @@
           <a:lstStyle>
             <a:lvl1pPr marL="0" indent="0">
               <a:buNone/>
-              <a:defRPr sz="1200"/>
+              <a:defRPr sz="2311"/>
             </a:lvl1pPr>
-            <a:lvl2pPr marL="342900" indent="0">
+            <a:lvl2pPr marL="660380" indent="0">
               <a:buNone/>
-              <a:defRPr sz="1050"/>
+              <a:defRPr sz="2022"/>
             </a:lvl2pPr>
-            <a:lvl3pPr marL="685800" indent="0">
+            <a:lvl3pPr marL="1320759" indent="0">
               <a:buNone/>
-              <a:defRPr sz="900"/>
+              <a:defRPr sz="1733"/>
             </a:lvl3pPr>
-            <a:lvl4pPr marL="1028700" indent="0">
+            <a:lvl4pPr marL="1981139" indent="0">
               <a:buNone/>
-              <a:defRPr sz="750"/>
+              <a:defRPr sz="1444"/>
             </a:lvl4pPr>
-            <a:lvl5pPr marL="1371600" indent="0">
+            <a:lvl5pPr marL="2641519" indent="0">
               <a:buNone/>
-              <a:defRPr sz="750"/>
+              <a:defRPr sz="1444"/>
             </a:lvl5pPr>
-            <a:lvl6pPr marL="1714500" indent="0">
+            <a:lvl6pPr marL="3301898" indent="0">
               <a:buNone/>
-              <a:defRPr sz="750"/>
+              <a:defRPr sz="1444"/>
             </a:lvl6pPr>
-            <a:lvl7pPr marL="2057400" indent="0">
+            <a:lvl7pPr marL="3962278" indent="0">
               <a:buNone/>
-              <a:defRPr sz="750"/>
+              <a:defRPr sz="1444"/>
             </a:lvl7pPr>
-            <a:lvl8pPr marL="2400300" indent="0">
+            <a:lvl8pPr marL="4622658" indent="0">
               <a:buNone/>
-              <a:defRPr sz="750"/>
+              <a:defRPr sz="1444"/>
             </a:lvl8pPr>
-            <a:lvl9pPr marL="2743200" indent="0">
+            <a:lvl9pPr marL="5283037" indent="0">
               <a:buNone/>
-              <a:defRPr sz="750"/>
+              <a:defRPr sz="1444"/>
             </a:lvl9pPr>
           </a:lstStyle>
           <a:p>
@@ -2099,7 +2102,7 @@
           <a:p>
             <a:fld id="{C5B85805-CA19-40AF-800A-044DEDEF4700}" type="datetimeFigureOut">
               <a:rPr lang="en-US" smtClean="0"/>
-              <a:t>29/11/2022</a:t>
+              <a:t>30/11/2022</a:t>
             </a:fld>
             <a:endParaRPr lang="en-US"/>
           </a:p>
@@ -2150,7 +2153,7 @@
     </p:spTree>
     <p:extLst>
       <p:ext uri="{BB962C8B-B14F-4D97-AF65-F5344CB8AC3E}">
-        <p14:creationId xmlns:p14="http://schemas.microsoft.com/office/powerpoint/2010/main" val="3228417045"/>
+        <p14:creationId xmlns:p14="http://schemas.microsoft.com/office/powerpoint/2010/main" val="564175490"/>
       </p:ext>
     </p:extLst>
   </p:cSld>
@@ -2189,15 +2192,15 @@
         </p:nvSpPr>
         <p:spPr>
           <a:xfrm>
-            <a:off x="472381" y="660400"/>
-            <a:ext cx="2211884" cy="2311400"/>
+            <a:off x="1212992" y="660400"/>
+            <a:ext cx="5679727" cy="2311400"/>
           </a:xfrm>
         </p:spPr>
         <p:txBody>
           <a:bodyPr anchor="b"/>
           <a:lstStyle>
             <a:lvl1pPr>
-              <a:defRPr sz="2400"/>
+              <a:defRPr sz="4622"/>
             </a:lvl1pPr>
           </a:lstStyle>
           <a:p>
@@ -2221,8 +2224,8 @@
         </p:nvSpPr>
         <p:spPr>
           <a:xfrm>
-            <a:off x="2915543" y="1426283"/>
-            <a:ext cx="3471863" cy="7039681"/>
+            <a:off x="7486603" y="1426281"/>
+            <a:ext cx="8915132" cy="7039681"/>
           </a:xfrm>
         </p:spPr>
         <p:txBody>
@@ -2230,39 +2233,39 @@
           <a:lstStyle>
             <a:lvl1pPr marL="0" indent="0">
               <a:buNone/>
-              <a:defRPr sz="2400"/>
+              <a:defRPr sz="4622"/>
             </a:lvl1pPr>
-            <a:lvl2pPr marL="342900" indent="0">
+            <a:lvl2pPr marL="660380" indent="0">
               <a:buNone/>
-              <a:defRPr sz="2100"/>
+              <a:defRPr sz="4044"/>
             </a:lvl2pPr>
-            <a:lvl3pPr marL="685800" indent="0">
+            <a:lvl3pPr marL="1320759" indent="0">
               <a:buNone/>
-              <a:defRPr sz="1800"/>
+              <a:defRPr sz="3467"/>
             </a:lvl3pPr>
-            <a:lvl4pPr marL="1028700" indent="0">
+            <a:lvl4pPr marL="1981139" indent="0">
               <a:buNone/>
-              <a:defRPr sz="1500"/>
+              <a:defRPr sz="2889"/>
             </a:lvl4pPr>
-            <a:lvl5pPr marL="1371600" indent="0">
+            <a:lvl5pPr marL="2641519" indent="0">
               <a:buNone/>
-              <a:defRPr sz="1500"/>
+              <a:defRPr sz="2889"/>
             </a:lvl5pPr>
-            <a:lvl6pPr marL="1714500" indent="0">
+            <a:lvl6pPr marL="3301898" indent="0">
               <a:buNone/>
-              <a:defRPr sz="1500"/>
+              <a:defRPr sz="2889"/>
             </a:lvl6pPr>
-            <a:lvl7pPr marL="2057400" indent="0">
+            <a:lvl7pPr marL="3962278" indent="0">
               <a:buNone/>
-              <a:defRPr sz="1500"/>
+              <a:defRPr sz="2889"/>
             </a:lvl7pPr>
-            <a:lvl8pPr marL="2400300" indent="0">
+            <a:lvl8pPr marL="4622658" indent="0">
               <a:buNone/>
-              <a:defRPr sz="1500"/>
+              <a:defRPr sz="2889"/>
             </a:lvl8pPr>
-            <a:lvl9pPr marL="2743200" indent="0">
+            <a:lvl9pPr marL="5283037" indent="0">
               <a:buNone/>
-              <a:defRPr sz="1500"/>
+              <a:defRPr sz="2889"/>
             </a:lvl9pPr>
           </a:lstStyle>
           <a:p>
@@ -2286,8 +2289,8 @@
         </p:nvSpPr>
         <p:spPr>
           <a:xfrm>
-            <a:off x="472381" y="2971800"/>
-            <a:ext cx="2211884" cy="5505627"/>
+            <a:off x="1212992" y="2971800"/>
+            <a:ext cx="5679727" cy="5505627"/>
           </a:xfrm>
         </p:spPr>
         <p:txBody>
@@ -2295,39 +2298,39 @@
           <a:lstStyle>
             <a:lvl1pPr marL="0" indent="0">
               <a:buNone/>
-              <a:defRPr sz="1200"/>
+              <a:defRPr sz="2311"/>
             </a:lvl1pPr>
-            <a:lvl2pPr marL="342900" indent="0">
+            <a:lvl2pPr marL="660380" indent="0">
               <a:buNone/>
-              <a:defRPr sz="1050"/>
+              <a:defRPr sz="2022"/>
             </a:lvl2pPr>
-            <a:lvl3pPr marL="685800" indent="0">
+            <a:lvl3pPr marL="1320759" indent="0">
               <a:buNone/>
-              <a:defRPr sz="900"/>
+              <a:defRPr sz="1733"/>
             </a:lvl3pPr>
-            <a:lvl4pPr marL="1028700" indent="0">
+            <a:lvl4pPr marL="1981139" indent="0">
               <a:buNone/>
-              <a:defRPr sz="750"/>
+              <a:defRPr sz="1444"/>
             </a:lvl4pPr>
-            <a:lvl5pPr marL="1371600" indent="0">
+            <a:lvl5pPr marL="2641519" indent="0">
               <a:buNone/>
-              <a:defRPr sz="750"/>
+              <a:defRPr sz="1444"/>
             </a:lvl5pPr>
-            <a:lvl6pPr marL="1714500" indent="0">
+            <a:lvl6pPr marL="3301898" indent="0">
               <a:buNone/>
-              <a:defRPr sz="750"/>
+              <a:defRPr sz="1444"/>
             </a:lvl6pPr>
-            <a:lvl7pPr marL="2057400" indent="0">
+            <a:lvl7pPr marL="3962278" indent="0">
               <a:buNone/>
-              <a:defRPr sz="750"/>
+              <a:defRPr sz="1444"/>
             </a:lvl7pPr>
-            <a:lvl8pPr marL="2400300" indent="0">
+            <a:lvl8pPr marL="4622658" indent="0">
               <a:buNone/>
-              <a:defRPr sz="750"/>
+              <a:defRPr sz="1444"/>
             </a:lvl8pPr>
-            <a:lvl9pPr marL="2743200" indent="0">
+            <a:lvl9pPr marL="5283037" indent="0">
               <a:buNone/>
-              <a:defRPr sz="750"/>
+              <a:defRPr sz="1444"/>
             </a:lvl9pPr>
           </a:lstStyle>
           <a:p>
@@ -2356,7 +2359,7 @@
           <a:p>
             <a:fld id="{C5B85805-CA19-40AF-800A-044DEDEF4700}" type="datetimeFigureOut">
               <a:rPr lang="en-US" smtClean="0"/>
-              <a:t>29/11/2022</a:t>
+              <a:t>30/11/2022</a:t>
             </a:fld>
             <a:endParaRPr lang="en-US"/>
           </a:p>
@@ -2407,7 +2410,7 @@
     </p:spTree>
     <p:extLst>
       <p:ext uri="{BB962C8B-B14F-4D97-AF65-F5344CB8AC3E}">
-        <p14:creationId xmlns:p14="http://schemas.microsoft.com/office/powerpoint/2010/main" val="3574524100"/>
+        <p14:creationId xmlns:p14="http://schemas.microsoft.com/office/powerpoint/2010/main" val="466354735"/>
       </p:ext>
     </p:extLst>
   </p:cSld>
@@ -2451,8 +2454,8 @@
         </p:nvSpPr>
         <p:spPr>
           <a:xfrm>
-            <a:off x="471488" y="527405"/>
-            <a:ext cx="5915025" cy="1914702"/>
+            <a:off x="1210697" y="527404"/>
+            <a:ext cx="15188744" cy="1914702"/>
           </a:xfrm>
           <a:prstGeom prst="rect">
             <a:avLst/>
@@ -2484,8 +2487,8 @@
         </p:nvSpPr>
         <p:spPr>
           <a:xfrm>
-            <a:off x="471488" y="2637014"/>
-            <a:ext cx="5915025" cy="6285266"/>
+            <a:off x="1210697" y="2637014"/>
+            <a:ext cx="15188744" cy="6285266"/>
           </a:xfrm>
           <a:prstGeom prst="rect">
             <a:avLst/>
@@ -2546,8 +2549,8 @@
         </p:nvSpPr>
         <p:spPr>
           <a:xfrm>
-            <a:off x="471488" y="9181397"/>
-            <a:ext cx="1543050" cy="527403"/>
+            <a:off x="1210697" y="9181395"/>
+            <a:ext cx="3962281" cy="527403"/>
           </a:xfrm>
           <a:prstGeom prst="rect">
             <a:avLst/>
@@ -2557,7 +2560,7 @@
           <a:bodyPr vert="horz" lIns="91440" tIns="45720" rIns="91440" bIns="45720" rtlCol="0" anchor="ctr"/>
           <a:lstStyle>
             <a:lvl1pPr algn="l">
-              <a:defRPr sz="900">
+              <a:defRPr sz="1733">
                 <a:solidFill>
                   <a:schemeClr val="tx1">
                     <a:tint val="75000"/>
@@ -2569,7 +2572,7 @@
           <a:p>
             <a:fld id="{C5B85805-CA19-40AF-800A-044DEDEF4700}" type="datetimeFigureOut">
               <a:rPr lang="en-US" smtClean="0"/>
-              <a:t>29/11/2022</a:t>
+              <a:t>30/11/2022</a:t>
             </a:fld>
             <a:endParaRPr lang="en-US"/>
           </a:p>
@@ -2587,8 +2590,8 @@
         </p:nvSpPr>
         <p:spPr>
           <a:xfrm>
-            <a:off x="2271713" y="9181397"/>
-            <a:ext cx="2314575" cy="527403"/>
+            <a:off x="5833358" y="9181395"/>
+            <a:ext cx="5943422" cy="527403"/>
           </a:xfrm>
           <a:prstGeom prst="rect">
             <a:avLst/>
@@ -2598,7 +2601,7 @@
           <a:bodyPr vert="horz" lIns="91440" tIns="45720" rIns="91440" bIns="45720" rtlCol="0" anchor="ctr"/>
           <a:lstStyle>
             <a:lvl1pPr algn="ctr">
-              <a:defRPr sz="900">
+              <a:defRPr sz="1733">
                 <a:solidFill>
                   <a:schemeClr val="tx1">
                     <a:tint val="75000"/>
@@ -2624,8 +2627,8 @@
         </p:nvSpPr>
         <p:spPr>
           <a:xfrm>
-            <a:off x="4843463" y="9181397"/>
-            <a:ext cx="1543050" cy="527403"/>
+            <a:off x="12437160" y="9181395"/>
+            <a:ext cx="3962281" cy="527403"/>
           </a:xfrm>
           <a:prstGeom prst="rect">
             <a:avLst/>
@@ -2635,7 +2638,7 @@
           <a:bodyPr vert="horz" lIns="91440" tIns="45720" rIns="91440" bIns="45720" rtlCol="0" anchor="ctr"/>
           <a:lstStyle>
             <a:lvl1pPr algn="r">
-              <a:defRPr sz="900">
+              <a:defRPr sz="1733">
                 <a:solidFill>
                   <a:schemeClr val="tx1">
                     <a:tint val="75000"/>
@@ -2656,27 +2659,27 @@
     </p:spTree>
     <p:extLst>
       <p:ext uri="{BB962C8B-B14F-4D97-AF65-F5344CB8AC3E}">
-        <p14:creationId xmlns:p14="http://schemas.microsoft.com/office/powerpoint/2010/main" val="2961694051"/>
+        <p14:creationId xmlns:p14="http://schemas.microsoft.com/office/powerpoint/2010/main" val="433826835"/>
       </p:ext>
     </p:extLst>
   </p:cSld>
   <p:clrMap bg1="lt1" tx1="dk1" bg2="lt2" tx2="dk2" accent1="accent1" accent2="accent2" accent3="accent3" accent4="accent4" accent5="accent5" accent6="accent6" hlink="hlink" folHlink="folHlink"/>
   <p:sldLayoutIdLst>
-    <p:sldLayoutId id="2147483661" r:id="rId1"/>
-    <p:sldLayoutId id="2147483662" r:id="rId2"/>
-    <p:sldLayoutId id="2147483663" r:id="rId3"/>
-    <p:sldLayoutId id="2147483664" r:id="rId4"/>
-    <p:sldLayoutId id="2147483665" r:id="rId5"/>
-    <p:sldLayoutId id="2147483666" r:id="rId6"/>
-    <p:sldLayoutId id="2147483667" r:id="rId7"/>
-    <p:sldLayoutId id="2147483668" r:id="rId8"/>
-    <p:sldLayoutId id="2147483669" r:id="rId9"/>
-    <p:sldLayoutId id="2147483670" r:id="rId10"/>
-    <p:sldLayoutId id="2147483671" r:id="rId11"/>
+    <p:sldLayoutId id="2147483673" r:id="rId1"/>
+    <p:sldLayoutId id="2147483674" r:id="rId2"/>
+    <p:sldLayoutId id="2147483675" r:id="rId3"/>
+    <p:sldLayoutId id="2147483676" r:id="rId4"/>
+    <p:sldLayoutId id="2147483677" r:id="rId5"/>
+    <p:sldLayoutId id="2147483678" r:id="rId6"/>
+    <p:sldLayoutId id="2147483679" r:id="rId7"/>
+    <p:sldLayoutId id="2147483680" r:id="rId8"/>
+    <p:sldLayoutId id="2147483681" r:id="rId9"/>
+    <p:sldLayoutId id="2147483682" r:id="rId10"/>
+    <p:sldLayoutId id="2147483683" r:id="rId11"/>
   </p:sldLayoutIdLst>
   <p:txStyles>
     <p:titleStyle>
-      <a:lvl1pPr algn="l" defTabSz="685800" rtl="0" eaLnBrk="1" latinLnBrk="0" hangingPunct="1">
+      <a:lvl1pPr algn="l" defTabSz="1320759" rtl="0" eaLnBrk="1" latinLnBrk="0" hangingPunct="1">
         <a:lnSpc>
           <a:spcPct val="90000"/>
         </a:lnSpc>
@@ -2684,7 +2687,7 @@
           <a:spcPct val="0"/>
         </a:spcBef>
         <a:buNone/>
-        <a:defRPr sz="3300" kern="1200">
+        <a:defRPr sz="6355" kern="1200">
           <a:solidFill>
             <a:schemeClr val="tx1"/>
           </a:solidFill>
@@ -2695,16 +2698,16 @@
       </a:lvl1pPr>
     </p:titleStyle>
     <p:bodyStyle>
-      <a:lvl1pPr marL="171450" indent="-171450" algn="l" defTabSz="685800" rtl="0" eaLnBrk="1" latinLnBrk="0" hangingPunct="1">
+      <a:lvl1pPr marL="330190" indent="-330190" algn="l" defTabSz="1320759" rtl="0" eaLnBrk="1" latinLnBrk="0" hangingPunct="1">
         <a:lnSpc>
           <a:spcPct val="90000"/>
         </a:lnSpc>
         <a:spcBef>
-          <a:spcPts val="750"/>
+          <a:spcPts val="1444"/>
         </a:spcBef>
         <a:buFont typeface="Arial" panose="020B0604020202020204" pitchFamily="34" charset="0"/>
         <a:buChar char="•"/>
-        <a:defRPr sz="2100" kern="1200">
+        <a:defRPr sz="4044" kern="1200">
           <a:solidFill>
             <a:schemeClr val="tx1"/>
           </a:solidFill>
@@ -2713,16 +2716,16 @@
           <a:cs typeface="+mn-cs"/>
         </a:defRPr>
       </a:lvl1pPr>
-      <a:lvl2pPr marL="514350" indent="-171450" algn="l" defTabSz="685800" rtl="0" eaLnBrk="1" latinLnBrk="0" hangingPunct="1">
+      <a:lvl2pPr marL="990570" indent="-330190" algn="l" defTabSz="1320759" rtl="0" eaLnBrk="1" latinLnBrk="0" hangingPunct="1">
         <a:lnSpc>
           <a:spcPct val="90000"/>
         </a:lnSpc>
         <a:spcBef>
-          <a:spcPts val="375"/>
+          <a:spcPts val="722"/>
         </a:spcBef>
         <a:buFont typeface="Arial" panose="020B0604020202020204" pitchFamily="34" charset="0"/>
         <a:buChar char="•"/>
-        <a:defRPr sz="1800" kern="1200">
+        <a:defRPr sz="3467" kern="1200">
           <a:solidFill>
             <a:schemeClr val="tx1"/>
           </a:solidFill>
@@ -2731,16 +2734,16 @@
           <a:cs typeface="+mn-cs"/>
         </a:defRPr>
       </a:lvl2pPr>
-      <a:lvl3pPr marL="857250" indent="-171450" algn="l" defTabSz="685800" rtl="0" eaLnBrk="1" latinLnBrk="0" hangingPunct="1">
+      <a:lvl3pPr marL="1650949" indent="-330190" algn="l" defTabSz="1320759" rtl="0" eaLnBrk="1" latinLnBrk="0" hangingPunct="1">
         <a:lnSpc>
           <a:spcPct val="90000"/>
         </a:lnSpc>
         <a:spcBef>
-          <a:spcPts val="375"/>
+          <a:spcPts val="722"/>
         </a:spcBef>
         <a:buFont typeface="Arial" panose="020B0604020202020204" pitchFamily="34" charset="0"/>
         <a:buChar char="•"/>
-        <a:defRPr sz="1500" kern="1200">
+        <a:defRPr sz="2889" kern="1200">
           <a:solidFill>
             <a:schemeClr val="tx1"/>
           </a:solidFill>
@@ -2749,16 +2752,16 @@
           <a:cs typeface="+mn-cs"/>
         </a:defRPr>
       </a:lvl3pPr>
-      <a:lvl4pPr marL="1200150" indent="-171450" algn="l" defTabSz="685800" rtl="0" eaLnBrk="1" latinLnBrk="0" hangingPunct="1">
+      <a:lvl4pPr marL="2311329" indent="-330190" algn="l" defTabSz="1320759" rtl="0" eaLnBrk="1" latinLnBrk="0" hangingPunct="1">
         <a:lnSpc>
           <a:spcPct val="90000"/>
         </a:lnSpc>
         <a:spcBef>
-          <a:spcPts val="375"/>
+          <a:spcPts val="722"/>
         </a:spcBef>
         <a:buFont typeface="Arial" panose="020B0604020202020204" pitchFamily="34" charset="0"/>
         <a:buChar char="•"/>
-        <a:defRPr sz="1350" kern="1200">
+        <a:defRPr sz="2600" kern="1200">
           <a:solidFill>
             <a:schemeClr val="tx1"/>
           </a:solidFill>
@@ -2767,16 +2770,16 @@
           <a:cs typeface="+mn-cs"/>
         </a:defRPr>
       </a:lvl4pPr>
-      <a:lvl5pPr marL="1543050" indent="-171450" algn="l" defTabSz="685800" rtl="0" eaLnBrk="1" latinLnBrk="0" hangingPunct="1">
+      <a:lvl5pPr marL="2971709" indent="-330190" algn="l" defTabSz="1320759" rtl="0" eaLnBrk="1" latinLnBrk="0" hangingPunct="1">
         <a:lnSpc>
           <a:spcPct val="90000"/>
         </a:lnSpc>
         <a:spcBef>
-          <a:spcPts val="375"/>
+          <a:spcPts val="722"/>
         </a:spcBef>
         <a:buFont typeface="Arial" panose="020B0604020202020204" pitchFamily="34" charset="0"/>
         <a:buChar char="•"/>
-        <a:defRPr sz="1350" kern="1200">
+        <a:defRPr sz="2600" kern="1200">
           <a:solidFill>
             <a:schemeClr val="tx1"/>
           </a:solidFill>
@@ -2785,16 +2788,16 @@
           <a:cs typeface="+mn-cs"/>
         </a:defRPr>
       </a:lvl5pPr>
-      <a:lvl6pPr marL="1885950" indent="-171450" algn="l" defTabSz="685800" rtl="0" eaLnBrk="1" latinLnBrk="0" hangingPunct="1">
+      <a:lvl6pPr marL="3632088" indent="-330190" algn="l" defTabSz="1320759" rtl="0" eaLnBrk="1" latinLnBrk="0" hangingPunct="1">
         <a:lnSpc>
           <a:spcPct val="90000"/>
         </a:lnSpc>
         <a:spcBef>
-          <a:spcPts val="375"/>
+          <a:spcPts val="722"/>
         </a:spcBef>
         <a:buFont typeface="Arial" panose="020B0604020202020204" pitchFamily="34" charset="0"/>
         <a:buChar char="•"/>
-        <a:defRPr sz="1350" kern="1200">
+        <a:defRPr sz="2600" kern="1200">
           <a:solidFill>
             <a:schemeClr val="tx1"/>
           </a:solidFill>
@@ -2803,16 +2806,16 @@
           <a:cs typeface="+mn-cs"/>
         </a:defRPr>
       </a:lvl6pPr>
-      <a:lvl7pPr marL="2228850" indent="-171450" algn="l" defTabSz="685800" rtl="0" eaLnBrk="1" latinLnBrk="0" hangingPunct="1">
+      <a:lvl7pPr marL="4292468" indent="-330190" algn="l" defTabSz="1320759" rtl="0" eaLnBrk="1" latinLnBrk="0" hangingPunct="1">
         <a:lnSpc>
           <a:spcPct val="90000"/>
         </a:lnSpc>
         <a:spcBef>
-          <a:spcPts val="375"/>
+          <a:spcPts val="722"/>
         </a:spcBef>
         <a:buFont typeface="Arial" panose="020B0604020202020204" pitchFamily="34" charset="0"/>
         <a:buChar char="•"/>
-        <a:defRPr sz="1350" kern="1200">
+        <a:defRPr sz="2600" kern="1200">
           <a:solidFill>
             <a:schemeClr val="tx1"/>
           </a:solidFill>
@@ -2821,16 +2824,16 @@
           <a:cs typeface="+mn-cs"/>
         </a:defRPr>
       </a:lvl7pPr>
-      <a:lvl8pPr marL="2571750" indent="-171450" algn="l" defTabSz="685800" rtl="0" eaLnBrk="1" latinLnBrk="0" hangingPunct="1">
+      <a:lvl8pPr marL="4952848" indent="-330190" algn="l" defTabSz="1320759" rtl="0" eaLnBrk="1" latinLnBrk="0" hangingPunct="1">
         <a:lnSpc>
           <a:spcPct val="90000"/>
         </a:lnSpc>
         <a:spcBef>
-          <a:spcPts val="375"/>
+          <a:spcPts val="722"/>
         </a:spcBef>
         <a:buFont typeface="Arial" panose="020B0604020202020204" pitchFamily="34" charset="0"/>
         <a:buChar char="•"/>
-        <a:defRPr sz="1350" kern="1200">
+        <a:defRPr sz="2600" kern="1200">
           <a:solidFill>
             <a:schemeClr val="tx1"/>
           </a:solidFill>
@@ -2839,16 +2842,16 @@
           <a:cs typeface="+mn-cs"/>
         </a:defRPr>
       </a:lvl8pPr>
-      <a:lvl9pPr marL="2914650" indent="-171450" algn="l" defTabSz="685800" rtl="0" eaLnBrk="1" latinLnBrk="0" hangingPunct="1">
+      <a:lvl9pPr marL="5613227" indent="-330190" algn="l" defTabSz="1320759" rtl="0" eaLnBrk="1" latinLnBrk="0" hangingPunct="1">
         <a:lnSpc>
           <a:spcPct val="90000"/>
         </a:lnSpc>
         <a:spcBef>
-          <a:spcPts val="375"/>
+          <a:spcPts val="722"/>
         </a:spcBef>
         <a:buFont typeface="Arial" panose="020B0604020202020204" pitchFamily="34" charset="0"/>
         <a:buChar char="•"/>
-        <a:defRPr sz="1350" kern="1200">
+        <a:defRPr sz="2600" kern="1200">
           <a:solidFill>
             <a:schemeClr val="tx1"/>
           </a:solidFill>
@@ -2862,8 +2865,8 @@
       <a:defPPr>
         <a:defRPr lang="en-US"/>
       </a:defPPr>
-      <a:lvl1pPr marL="0" algn="l" defTabSz="685800" rtl="0" eaLnBrk="1" latinLnBrk="0" hangingPunct="1">
-        <a:defRPr sz="1350" kern="1200">
+      <a:lvl1pPr marL="0" algn="l" defTabSz="1320759" rtl="0" eaLnBrk="1" latinLnBrk="0" hangingPunct="1">
+        <a:defRPr sz="2600" kern="1200">
           <a:solidFill>
             <a:schemeClr val="tx1"/>
           </a:solidFill>
@@ -2872,8 +2875,8 @@
           <a:cs typeface="+mn-cs"/>
         </a:defRPr>
       </a:lvl1pPr>
-      <a:lvl2pPr marL="342900" algn="l" defTabSz="685800" rtl="0" eaLnBrk="1" latinLnBrk="0" hangingPunct="1">
-        <a:defRPr sz="1350" kern="1200">
+      <a:lvl2pPr marL="660380" algn="l" defTabSz="1320759" rtl="0" eaLnBrk="1" latinLnBrk="0" hangingPunct="1">
+        <a:defRPr sz="2600" kern="1200">
           <a:solidFill>
             <a:schemeClr val="tx1"/>
           </a:solidFill>
@@ -2882,8 +2885,8 @@
           <a:cs typeface="+mn-cs"/>
         </a:defRPr>
       </a:lvl2pPr>
-      <a:lvl3pPr marL="685800" algn="l" defTabSz="685800" rtl="0" eaLnBrk="1" latinLnBrk="0" hangingPunct="1">
-        <a:defRPr sz="1350" kern="1200">
+      <a:lvl3pPr marL="1320759" algn="l" defTabSz="1320759" rtl="0" eaLnBrk="1" latinLnBrk="0" hangingPunct="1">
+        <a:defRPr sz="2600" kern="1200">
           <a:solidFill>
             <a:schemeClr val="tx1"/>
           </a:solidFill>
@@ -2892,8 +2895,8 @@
           <a:cs typeface="+mn-cs"/>
         </a:defRPr>
       </a:lvl3pPr>
-      <a:lvl4pPr marL="1028700" algn="l" defTabSz="685800" rtl="0" eaLnBrk="1" latinLnBrk="0" hangingPunct="1">
-        <a:defRPr sz="1350" kern="1200">
+      <a:lvl4pPr marL="1981139" algn="l" defTabSz="1320759" rtl="0" eaLnBrk="1" latinLnBrk="0" hangingPunct="1">
+        <a:defRPr sz="2600" kern="1200">
           <a:solidFill>
             <a:schemeClr val="tx1"/>
           </a:solidFill>
@@ -2902,8 +2905,8 @@
           <a:cs typeface="+mn-cs"/>
         </a:defRPr>
       </a:lvl4pPr>
-      <a:lvl5pPr marL="1371600" algn="l" defTabSz="685800" rtl="0" eaLnBrk="1" latinLnBrk="0" hangingPunct="1">
-        <a:defRPr sz="1350" kern="1200">
+      <a:lvl5pPr marL="2641519" algn="l" defTabSz="1320759" rtl="0" eaLnBrk="1" latinLnBrk="0" hangingPunct="1">
+        <a:defRPr sz="2600" kern="1200">
           <a:solidFill>
             <a:schemeClr val="tx1"/>
           </a:solidFill>
@@ -2912,8 +2915,8 @@
           <a:cs typeface="+mn-cs"/>
         </a:defRPr>
       </a:lvl5pPr>
-      <a:lvl6pPr marL="1714500" algn="l" defTabSz="685800" rtl="0" eaLnBrk="1" latinLnBrk="0" hangingPunct="1">
-        <a:defRPr sz="1350" kern="1200">
+      <a:lvl6pPr marL="3301898" algn="l" defTabSz="1320759" rtl="0" eaLnBrk="1" latinLnBrk="0" hangingPunct="1">
+        <a:defRPr sz="2600" kern="1200">
           <a:solidFill>
             <a:schemeClr val="tx1"/>
           </a:solidFill>
@@ -2922,8 +2925,8 @@
           <a:cs typeface="+mn-cs"/>
         </a:defRPr>
       </a:lvl6pPr>
-      <a:lvl7pPr marL="2057400" algn="l" defTabSz="685800" rtl="0" eaLnBrk="1" latinLnBrk="0" hangingPunct="1">
-        <a:defRPr sz="1350" kern="1200">
+      <a:lvl7pPr marL="3962278" algn="l" defTabSz="1320759" rtl="0" eaLnBrk="1" latinLnBrk="0" hangingPunct="1">
+        <a:defRPr sz="2600" kern="1200">
           <a:solidFill>
             <a:schemeClr val="tx1"/>
           </a:solidFill>
@@ -2932,8 +2935,8 @@
           <a:cs typeface="+mn-cs"/>
         </a:defRPr>
       </a:lvl7pPr>
-      <a:lvl8pPr marL="2400300" algn="l" defTabSz="685800" rtl="0" eaLnBrk="1" latinLnBrk="0" hangingPunct="1">
-        <a:defRPr sz="1350" kern="1200">
+      <a:lvl8pPr marL="4622658" algn="l" defTabSz="1320759" rtl="0" eaLnBrk="1" latinLnBrk="0" hangingPunct="1">
+        <a:defRPr sz="2600" kern="1200">
           <a:solidFill>
             <a:schemeClr val="tx1"/>
           </a:solidFill>
@@ -2942,8 +2945,8 @@
           <a:cs typeface="+mn-cs"/>
         </a:defRPr>
       </a:lvl8pPr>
-      <a:lvl9pPr marL="2743200" algn="l" defTabSz="685800" rtl="0" eaLnBrk="1" latinLnBrk="0" hangingPunct="1">
-        <a:defRPr sz="1350" kern="1200">
+      <a:lvl9pPr marL="5283037" algn="l" defTabSz="1320759" rtl="0" eaLnBrk="1" latinLnBrk="0" hangingPunct="1">
+        <a:defRPr sz="2600" kern="1200">
           <a:solidFill>
             <a:schemeClr val="tx1"/>
           </a:solidFill>
@@ -2982,8 +2985,8 @@
         </p:nvGrpSpPr>
         <p:grpSpPr>
           <a:xfrm>
-            <a:off x="-7786710" y="737541"/>
-            <a:ext cx="19381816" cy="13151824"/>
+            <a:off x="-19994901" y="-5871557"/>
+            <a:ext cx="49769094" cy="33771570"/>
             <a:chOff x="-1668722" y="510605"/>
             <a:chExt cx="13418180" cy="9105109"/>
           </a:xfrm>
@@ -3061,7 +3064,7 @@
             <a:p>
               <a:pPr algn="ctr"/>
               <a:r>
-                <a:rPr lang="en-US" sz="1878" dirty="0">
+                <a:rPr lang="en-US" sz="4822" dirty="0">
                   <a:solidFill>
                     <a:schemeClr val="tx1"/>
                   </a:solidFill>
@@ -3144,7 +3147,7 @@
             <a:p>
               <a:pPr algn="ctr"/>
               <a:r>
-                <a:rPr lang="en-US" sz="1878" dirty="0">
+                <a:rPr lang="en-US" sz="4822" dirty="0">
                   <a:solidFill>
                     <a:schemeClr val="tx1"/>
                   </a:solidFill>
@@ -3227,7 +3230,7 @@
             <a:p>
               <a:pPr algn="ctr"/>
               <a:r>
-                <a:rPr lang="en-US" sz="1878" dirty="0">
+                <a:rPr lang="en-US" sz="4822" dirty="0">
                   <a:solidFill>
                     <a:schemeClr val="tx1"/>
                   </a:solidFill>
@@ -3310,7 +3313,7 @@
             <a:p>
               <a:pPr algn="ctr"/>
               <a:r>
-                <a:rPr lang="en-US" sz="1878" dirty="0">
+                <a:rPr lang="en-US" sz="4822" dirty="0">
                   <a:solidFill>
                     <a:schemeClr val="tx1"/>
                   </a:solidFill>
@@ -3393,7 +3396,7 @@
             <a:p>
               <a:pPr algn="ctr"/>
               <a:r>
-                <a:rPr lang="en-US" sz="1878" dirty="0">
+                <a:rPr lang="en-US" sz="4822" dirty="0">
                   <a:solidFill>
                     <a:schemeClr val="tx1"/>
                   </a:solidFill>
@@ -3506,7 +3509,7 @@
             <a:p>
               <a:pPr algn="ctr"/>
               <a:r>
-                <a:rPr lang="en-US" sz="1878" dirty="0">
+                <a:rPr lang="en-US" sz="4822" dirty="0">
                   <a:solidFill>
                     <a:schemeClr val="tx1"/>
                   </a:solidFill>
@@ -3589,7 +3592,7 @@
             <a:p>
               <a:pPr algn="ctr"/>
               <a:r>
-                <a:rPr lang="en-US" sz="1878" dirty="0">
+                <a:rPr lang="en-US" sz="4822" dirty="0">
                   <a:solidFill>
                     <a:schemeClr val="tx1"/>
                   </a:solidFill>
@@ -3672,7 +3675,7 @@
             <a:p>
               <a:pPr algn="ctr"/>
               <a:r>
-                <a:rPr lang="en-US" sz="1878" dirty="0">
+                <a:rPr lang="en-US" sz="4822" dirty="0">
                   <a:solidFill>
                     <a:schemeClr val="tx1"/>
                   </a:solidFill>
@@ -3785,7 +3788,7 @@
             <a:p>
               <a:pPr algn="ctr"/>
               <a:r>
-                <a:rPr lang="en-US" sz="1878" dirty="0">
+                <a:rPr lang="en-US" sz="4822" dirty="0">
                   <a:solidFill>
                     <a:schemeClr val="tx1"/>
                   </a:solidFill>
@@ -3838,7 +3841,7 @@
             <a:p>
               <a:pPr algn="ctr"/>
               <a:r>
-                <a:rPr lang="en-US" sz="1878" dirty="0">
+                <a:rPr lang="en-US" sz="4822" dirty="0">
                   <a:solidFill>
                     <a:schemeClr val="tx1"/>
                   </a:solidFill>
@@ -3891,7 +3894,7 @@
             <a:p>
               <a:pPr algn="ctr"/>
               <a:r>
-                <a:rPr lang="en-US" sz="1878" dirty="0">
+                <a:rPr lang="en-US" sz="4822" dirty="0">
                   <a:solidFill>
                     <a:schemeClr val="tx1"/>
                   </a:solidFill>
@@ -3970,10 +3973,10 @@
         </p:nvGrpSpPr>
         <p:grpSpPr>
           <a:xfrm>
-            <a:off x="955468" y="640292"/>
-            <a:ext cx="5184533" cy="5401610"/>
+            <a:off x="2453475" y="-6121275"/>
+            <a:ext cx="13312969" cy="13211876"/>
             <a:chOff x="955468" y="640292"/>
-            <a:chExt cx="5184533" cy="5401610"/>
+            <a:chExt cx="5184533" cy="5145164"/>
           </a:xfrm>
         </p:grpSpPr>
         <p:sp>
@@ -3985,7 +3988,7 @@
           <p:spPr>
             <a:xfrm>
               <a:off x="955468" y="740319"/>
-              <a:ext cx="1463040" cy="292388"/>
+              <a:ext cx="1463040" cy="235997"/>
             </a:xfrm>
             <a:prstGeom prst="rect">
               <a:avLst/>
@@ -4014,7 +4017,7 @@
             <a:p>
               <a:pPr algn="ctr"/>
               <a:r>
-                <a:rPr lang="en-US" sz="1300" dirty="0">
+                <a:rPr lang="en-US" sz="3338" dirty="0">
                   <a:latin typeface="Times New Roman" panose="02020603050405020304" pitchFamily="18" charset="0"/>
                   <a:cs typeface="Times New Roman" panose="02020603050405020304" pitchFamily="18" charset="0"/>
                 </a:rPr>
@@ -4032,7 +4035,7 @@
           <p:spPr>
             <a:xfrm>
               <a:off x="2810277" y="640292"/>
-              <a:ext cx="1463040" cy="492443"/>
+              <a:ext cx="1463040" cy="436036"/>
             </a:xfrm>
             <a:prstGeom prst="rect">
               <a:avLst/>
@@ -4060,7 +4063,7 @@
             <a:lstStyle/>
             <a:p>
               <a:r>
-                <a:rPr lang="en-US" sz="1300" dirty="0">
+                <a:rPr lang="en-US" sz="3338" dirty="0">
                   <a:latin typeface="Times New Roman" panose="02020603050405020304" pitchFamily="18" charset="0"/>
                   <a:cs typeface="Times New Roman" panose="02020603050405020304" pitchFamily="18" charset="0"/>
                 </a:rPr>
@@ -4078,7 +4081,7 @@
           <p:spPr>
             <a:xfrm>
               <a:off x="4676961" y="640292"/>
-              <a:ext cx="1463040" cy="492443"/>
+              <a:ext cx="1463040" cy="436036"/>
             </a:xfrm>
             <a:prstGeom prst="rect">
               <a:avLst/>
@@ -4106,7 +4109,7 @@
             <a:lstStyle/>
             <a:p>
               <a:r>
-                <a:rPr lang="en-US" sz="1300" dirty="0">
+                <a:rPr lang="en-US" sz="3338" dirty="0">
                   <a:latin typeface="Times New Roman" panose="02020603050405020304" pitchFamily="18" charset="0"/>
                   <a:cs typeface="Times New Roman" panose="02020603050405020304" pitchFamily="18" charset="0"/>
                 </a:rPr>
@@ -4124,7 +4127,7 @@
           <p:spPr>
             <a:xfrm>
               <a:off x="955468" y="1967612"/>
-              <a:ext cx="1463040" cy="292388"/>
+              <a:ext cx="1463040" cy="235997"/>
             </a:xfrm>
             <a:prstGeom prst="rect">
               <a:avLst/>
@@ -4152,7 +4155,7 @@
             <a:lstStyle/>
             <a:p>
               <a:r>
-                <a:rPr lang="en-US" sz="1300" dirty="0">
+                <a:rPr lang="en-US" sz="3338" dirty="0">
                   <a:latin typeface="Times New Roman" panose="02020603050405020304" pitchFamily="18" charset="0"/>
                   <a:cs typeface="Times New Roman" panose="02020603050405020304" pitchFamily="18" charset="0"/>
                 </a:rPr>
@@ -4170,7 +4173,7 @@
           <p:spPr>
             <a:xfrm>
               <a:off x="2810277" y="1967612"/>
-              <a:ext cx="1463040" cy="292388"/>
+              <a:ext cx="1463040" cy="235997"/>
             </a:xfrm>
             <a:prstGeom prst="rect">
               <a:avLst/>
@@ -4199,7 +4202,7 @@
             <a:p>
               <a:pPr algn="ctr"/>
               <a:r>
-                <a:rPr lang="en-US" sz="1300" dirty="0">
+                <a:rPr lang="en-US" sz="3338" dirty="0">
                   <a:latin typeface="Times New Roman" panose="02020603050405020304" pitchFamily="18" charset="0"/>
                   <a:cs typeface="Times New Roman" panose="02020603050405020304" pitchFamily="18" charset="0"/>
                 </a:rPr>
@@ -4217,7 +4220,7 @@
           <p:spPr>
             <a:xfrm>
               <a:off x="4676961" y="1967612"/>
-              <a:ext cx="1463040" cy="292388"/>
+              <a:ext cx="1463040" cy="235997"/>
             </a:xfrm>
             <a:prstGeom prst="rect">
               <a:avLst/>
@@ -4245,7 +4248,7 @@
             <a:lstStyle/>
             <a:p>
               <a:r>
-                <a:rPr lang="en-US" sz="1300" dirty="0">
+                <a:rPr lang="en-US" sz="3338" dirty="0">
                   <a:latin typeface="Times New Roman" panose="02020603050405020304" pitchFamily="18" charset="0"/>
                   <a:cs typeface="Times New Roman" panose="02020603050405020304" pitchFamily="18" charset="0"/>
                 </a:rPr>
@@ -4263,7 +4266,7 @@
           <p:spPr>
             <a:xfrm>
               <a:off x="4676961" y="3094877"/>
-              <a:ext cx="1463040" cy="292388"/>
+              <a:ext cx="1463040" cy="235997"/>
             </a:xfrm>
             <a:prstGeom prst="rect">
               <a:avLst/>
@@ -4292,7 +4295,7 @@
             <a:p>
               <a:pPr algn="ctr"/>
               <a:r>
-                <a:rPr lang="en-US" sz="1300" dirty="0">
+                <a:rPr lang="en-US" sz="3338" dirty="0">
                   <a:latin typeface="Times New Roman" panose="02020603050405020304" pitchFamily="18" charset="0"/>
                   <a:cs typeface="Times New Roman" panose="02020603050405020304" pitchFamily="18" charset="0"/>
                 </a:rPr>
@@ -4310,7 +4313,7 @@
           <p:spPr>
             <a:xfrm>
               <a:off x="2810277" y="3094877"/>
-              <a:ext cx="1463040" cy="292388"/>
+              <a:ext cx="1463040" cy="235997"/>
             </a:xfrm>
             <a:prstGeom prst="rect">
               <a:avLst/>
@@ -4338,7 +4341,7 @@
             <a:lstStyle/>
             <a:p>
               <a:r>
-                <a:rPr lang="en-US" sz="1300" dirty="0">
+                <a:rPr lang="en-US" sz="3338" dirty="0">
                   <a:latin typeface="Times New Roman" panose="02020603050405020304" pitchFamily="18" charset="0"/>
                   <a:cs typeface="Times New Roman" panose="02020603050405020304" pitchFamily="18" charset="0"/>
                 </a:rPr>
@@ -4356,7 +4359,7 @@
           <p:spPr>
             <a:xfrm>
               <a:off x="955468" y="3094877"/>
-              <a:ext cx="1463040" cy="292388"/>
+              <a:ext cx="1463040" cy="235997"/>
             </a:xfrm>
             <a:prstGeom prst="rect">
               <a:avLst/>
@@ -4385,7 +4388,7 @@
             <a:p>
               <a:pPr algn="ctr"/>
               <a:r>
-                <a:rPr lang="en-US" sz="1300" dirty="0">
+                <a:rPr lang="en-US" sz="3338" dirty="0">
                   <a:latin typeface="Times New Roman" panose="02020603050405020304" pitchFamily="18" charset="0"/>
                   <a:cs typeface="Times New Roman" panose="02020603050405020304" pitchFamily="18" charset="0"/>
                 </a:rPr>
@@ -4403,7 +4406,7 @@
           <p:spPr>
             <a:xfrm>
               <a:off x="2810277" y="5349405"/>
-              <a:ext cx="1463040" cy="692497"/>
+              <a:ext cx="1463040" cy="436036"/>
             </a:xfrm>
             <a:prstGeom prst="rect">
               <a:avLst/>
@@ -4431,7 +4434,7 @@
             <a:lstStyle/>
             <a:p>
               <a:r>
-                <a:rPr lang="en-US" sz="1300" dirty="0">
+                <a:rPr lang="en-US" sz="3338" dirty="0">
                   <a:latin typeface="Times New Roman" panose="02020603050405020304" pitchFamily="18" charset="0"/>
                   <a:cs typeface="Times New Roman" panose="02020603050405020304" pitchFamily="18" charset="0"/>
                 </a:rPr>
@@ -4449,7 +4452,7 @@
           <p:spPr>
             <a:xfrm>
               <a:off x="955468" y="5549459"/>
-              <a:ext cx="1463040" cy="292388"/>
+              <a:ext cx="1463040" cy="235997"/>
             </a:xfrm>
             <a:prstGeom prst="rect">
               <a:avLst/>
@@ -4478,7 +4481,7 @@
             <a:p>
               <a:pPr algn="ctr"/>
               <a:r>
-                <a:rPr lang="en-US" sz="1300" dirty="0">
+                <a:rPr lang="en-US" sz="3338" dirty="0">
                   <a:latin typeface="Times New Roman" panose="02020603050405020304" pitchFamily="18" charset="0"/>
                   <a:cs typeface="Times New Roman" panose="02020603050405020304" pitchFamily="18" charset="0"/>
                 </a:rPr>
@@ -4496,7 +4499,7 @@
           <p:spPr>
             <a:xfrm>
               <a:off x="4676961" y="4222142"/>
-              <a:ext cx="1463040" cy="292388"/>
+              <a:ext cx="1463040" cy="235997"/>
             </a:xfrm>
             <a:prstGeom prst="rect">
               <a:avLst/>
@@ -4524,7 +4527,7 @@
             <a:lstStyle/>
             <a:p>
               <a:r>
-                <a:rPr lang="en-US" sz="1300" dirty="0">
+                <a:rPr lang="en-US" sz="3338" dirty="0">
                   <a:latin typeface="Times New Roman" panose="02020603050405020304" pitchFamily="18" charset="0"/>
                   <a:cs typeface="Times New Roman" panose="02020603050405020304" pitchFamily="18" charset="0"/>
                 </a:rPr>
@@ -4542,7 +4545,7 @@
           <p:spPr>
             <a:xfrm>
               <a:off x="955468" y="4128966"/>
-              <a:ext cx="1463040" cy="492443"/>
+              <a:ext cx="1463040" cy="436036"/>
             </a:xfrm>
             <a:prstGeom prst="rect">
               <a:avLst/>
@@ -4570,7 +4573,7 @@
             <a:lstStyle/>
             <a:p>
               <a:r>
-                <a:rPr lang="en-US" sz="1300" dirty="0">
+                <a:rPr lang="en-US" sz="3338" dirty="0">
                   <a:latin typeface="Times New Roman" panose="02020603050405020304" pitchFamily="18" charset="0"/>
                   <a:cs typeface="Times New Roman" panose="02020603050405020304" pitchFamily="18" charset="0"/>
                 </a:rPr>
@@ -4588,7 +4591,7 @@
           <p:spPr>
             <a:xfrm>
               <a:off x="2810277" y="4222142"/>
-              <a:ext cx="1463040" cy="292388"/>
+              <a:ext cx="1463040" cy="235997"/>
             </a:xfrm>
             <a:prstGeom prst="rect">
               <a:avLst/>
@@ -4617,7 +4620,7 @@
             <a:p>
               <a:pPr algn="ctr"/>
               <a:r>
-                <a:rPr lang="en-US" sz="1300" dirty="0">
+                <a:rPr lang="en-US" sz="3338" dirty="0">
                   <a:latin typeface="Times New Roman" panose="02020603050405020304" pitchFamily="18" charset="0"/>
                   <a:cs typeface="Times New Roman" panose="02020603050405020304" pitchFamily="18" charset="0"/>
                 </a:rPr>
@@ -4636,9 +4639,9 @@
             <p:nvPr/>
           </p:nvCxnSpPr>
           <p:spPr>
-            <a:xfrm>
-              <a:off x="2418508" y="886513"/>
-              <a:ext cx="391769" cy="1"/>
+            <a:xfrm flipV="1">
+              <a:off x="2418508" y="858310"/>
+              <a:ext cx="391769" cy="8"/>
             </a:xfrm>
             <a:prstGeom prst="straightConnector1">
               <a:avLst/>
@@ -4673,7 +4676,7 @@
           </p:nvCxnSpPr>
           <p:spPr>
             <a:xfrm>
-              <a:off x="4273317" y="886514"/>
+              <a:off x="4273317" y="858310"/>
               <a:ext cx="403644" cy="0"/>
             </a:xfrm>
             <a:prstGeom prst="straightConnector1">
@@ -4709,14 +4712,14 @@
           </p:nvCxnSpPr>
           <p:spPr>
             <a:xfrm flipH="1">
-              <a:off x="955468" y="886514"/>
-              <a:ext cx="5184533" cy="1227292"/>
+              <a:off x="955468" y="858310"/>
+              <a:ext cx="5184533" cy="1227301"/>
             </a:xfrm>
             <a:prstGeom prst="curvedConnector5">
               <a:avLst>
-                <a:gd name="adj1" fmla="val -4409"/>
+                <a:gd name="adj1" fmla="val -1717"/>
                 <a:gd name="adj2" fmla="val 54075"/>
-                <a:gd name="adj3" fmla="val 104409"/>
+                <a:gd name="adj3" fmla="val 101717"/>
               </a:avLst>
             </a:prstGeom>
             <a:ln>
@@ -4749,7 +4752,7 @@
           </p:nvCxnSpPr>
           <p:spPr>
             <a:xfrm>
-              <a:off x="2418508" y="2113806"/>
+              <a:off x="2418508" y="2085611"/>
               <a:ext cx="391769" cy="0"/>
             </a:xfrm>
             <a:prstGeom prst="straightConnector1">
@@ -4785,7 +4788,7 @@
           </p:nvCxnSpPr>
           <p:spPr>
             <a:xfrm>
-              <a:off x="4273317" y="2113806"/>
+              <a:off x="4273317" y="2085611"/>
               <a:ext cx="403644" cy="0"/>
             </a:xfrm>
             <a:prstGeom prst="straightConnector1">
@@ -4821,14 +4824,14 @@
           </p:nvCxnSpPr>
           <p:spPr>
             <a:xfrm flipH="1">
-              <a:off x="955468" y="2113806"/>
+              <a:off x="955468" y="2085611"/>
               <a:ext cx="5184533" cy="1127265"/>
             </a:xfrm>
             <a:prstGeom prst="curvedConnector5">
               <a:avLst>
-                <a:gd name="adj1" fmla="val -4409"/>
+                <a:gd name="adj1" fmla="val -1717"/>
                 <a:gd name="adj2" fmla="val 50000"/>
-                <a:gd name="adj3" fmla="val 104409"/>
+                <a:gd name="adj3" fmla="val 101717"/>
               </a:avLst>
             </a:prstGeom>
             <a:ln>
@@ -4861,7 +4864,7 @@
           </p:nvCxnSpPr>
           <p:spPr>
             <a:xfrm>
-              <a:off x="2418508" y="3241071"/>
+              <a:off x="2418508" y="3212876"/>
               <a:ext cx="391769" cy="0"/>
             </a:xfrm>
             <a:prstGeom prst="straightConnector1">
@@ -4897,7 +4900,7 @@
           </p:nvCxnSpPr>
           <p:spPr>
             <a:xfrm>
-              <a:off x="4273317" y="3241071"/>
+              <a:off x="4273317" y="3212876"/>
               <a:ext cx="403644" cy="0"/>
             </a:xfrm>
             <a:prstGeom prst="straightConnector1">
@@ -4933,14 +4936,14 @@
           </p:nvCxnSpPr>
           <p:spPr>
             <a:xfrm flipH="1">
-              <a:off x="955468" y="3241071"/>
-              <a:ext cx="5184533" cy="1134117"/>
+              <a:off x="955468" y="3212876"/>
+              <a:ext cx="5184533" cy="1134108"/>
             </a:xfrm>
             <a:prstGeom prst="curvedConnector5">
               <a:avLst>
-                <a:gd name="adj1" fmla="val -4409"/>
+                <a:gd name="adj1" fmla="val -1717"/>
                 <a:gd name="adj2" fmla="val 45590"/>
-                <a:gd name="adj3" fmla="val 104409"/>
+                <a:gd name="adj3" fmla="val 101717"/>
               </a:avLst>
             </a:prstGeom>
             <a:ln>
@@ -4973,8 +4976,8 @@
           </p:nvCxnSpPr>
           <p:spPr>
             <a:xfrm flipV="1">
-              <a:off x="2418508" y="4368336"/>
-              <a:ext cx="391769" cy="6852"/>
+              <a:off x="2418508" y="4340141"/>
+              <a:ext cx="391769" cy="6843"/>
             </a:xfrm>
             <a:prstGeom prst="straightConnector1">
               <a:avLst/>
@@ -5009,7 +5012,7 @@
           </p:nvCxnSpPr>
           <p:spPr>
             <a:xfrm>
-              <a:off x="4273317" y="4368336"/>
+              <a:off x="4273317" y="4340141"/>
               <a:ext cx="403644" cy="0"/>
             </a:xfrm>
             <a:prstGeom prst="straightConnector1">
@@ -5045,14 +5048,14 @@
           </p:nvCxnSpPr>
           <p:spPr>
             <a:xfrm flipH="1">
-              <a:off x="955468" y="4368336"/>
+              <a:off x="955468" y="4340141"/>
               <a:ext cx="5184533" cy="1327317"/>
             </a:xfrm>
             <a:prstGeom prst="curvedConnector5">
               <a:avLst>
-                <a:gd name="adj1" fmla="val -4409"/>
+                <a:gd name="adj1" fmla="val -1717"/>
                 <a:gd name="adj2" fmla="val 50000"/>
-                <a:gd name="adj3" fmla="val 104409"/>
+                <a:gd name="adj3" fmla="val 101717"/>
               </a:avLst>
             </a:prstGeom>
             <a:ln>
@@ -5084,9 +5087,9 @@
             <p:nvPr/>
           </p:nvCxnSpPr>
           <p:spPr>
-            <a:xfrm>
-              <a:off x="2418508" y="5695653"/>
-              <a:ext cx="391769" cy="1"/>
+            <a:xfrm flipV="1">
+              <a:off x="2418508" y="5567423"/>
+              <a:ext cx="391769" cy="100034"/>
             </a:xfrm>
             <a:prstGeom prst="straightConnector1">
               <a:avLst/>
@@ -5163,8 +5166,8 @@
         </p:blipFill>
         <p:spPr>
           <a:xfrm>
-            <a:off x="674435" y="2027630"/>
-            <a:ext cx="967941" cy="1368945"/>
+            <a:off x="1624953" y="3936968"/>
+            <a:ext cx="2485502" cy="3515210"/>
           </a:xfrm>
           <a:prstGeom prst="rect">
             <a:avLst/>
@@ -5193,8 +5196,8 @@
         </p:blipFill>
         <p:spPr>
           <a:xfrm>
-            <a:off x="5357141" y="2024976"/>
-            <a:ext cx="969818" cy="1371600"/>
+            <a:off x="13649317" y="3930151"/>
+            <a:ext cx="2490322" cy="3522028"/>
           </a:xfrm>
           <a:prstGeom prst="rect">
             <a:avLst/>
@@ -5209,8 +5212,8 @@
         </p:nvSpPr>
         <p:spPr>
           <a:xfrm>
-            <a:off x="3528338" y="1233712"/>
-            <a:ext cx="1828804" cy="1828804"/>
+            <a:off x="8953272" y="1898325"/>
+            <a:ext cx="4696047" cy="4696047"/>
           </a:xfrm>
           <a:prstGeom prst="wedgeRectCallout">
             <a:avLst>
@@ -5248,7 +5251,7 @@
           <a:lstStyle/>
           <a:p>
             <a:pPr algn="ctr"/>
-            <a:endParaRPr lang="en-US"/>
+            <a:endParaRPr lang="en-US" sz="4622"/>
           </a:p>
         </p:txBody>
       </p:sp>
@@ -5260,8 +5263,8 @@
         </p:nvSpPr>
         <p:spPr>
           <a:xfrm>
-            <a:off x="1645919" y="1257300"/>
-            <a:ext cx="1827001" cy="1805216"/>
+            <a:off x="4119553" y="1958895"/>
+            <a:ext cx="4691417" cy="4635477"/>
           </a:xfrm>
           <a:prstGeom prst="wedgeRectCallout">
             <a:avLst>
@@ -5299,34 +5302,28 @@
           <a:lstStyle/>
           <a:p>
             <a:pPr algn="ctr"/>
-            <a:endParaRPr lang="en-US"/>
+            <a:endParaRPr lang="en-US" sz="4622"/>
           </a:p>
         </p:txBody>
       </p:sp>
       <p:pic>
         <p:nvPicPr>
-          <p:cNvPr id="22" name="Picture 21"/>
+          <p:cNvPr id="4" name="Picture 3"/>
           <p:cNvPicPr>
             <a:picLocks noChangeAspect="1"/>
           </p:cNvPicPr>
           <p:nvPr/>
         </p:nvPicPr>
         <p:blipFill>
-          <a:blip r:embed="rId4">
-            <a:extLst>
-              <a:ext uri="{28A0092B-C50C-407E-A947-70E740481C1C}">
-                <a14:useLocalDpi xmlns:a14="http://schemas.microsoft.com/office/drawing/2010/main" val="0"/>
-              </a:ext>
-            </a:extLst>
-          </a:blip>
+          <a:blip r:embed="rId4"/>
           <a:stretch>
             <a:fillRect/>
           </a:stretch>
         </p:blipFill>
         <p:spPr>
           <a:xfrm>
-            <a:off x="1642376" y="1233712"/>
-            <a:ext cx="1825264" cy="1825264"/>
+            <a:off x="4119550" y="1904516"/>
+            <a:ext cx="4700517" cy="4689218"/>
           </a:xfrm>
           <a:prstGeom prst="rect">
             <a:avLst/>
@@ -5335,28 +5332,22 @@
       </p:pic>
       <p:pic>
         <p:nvPicPr>
-          <p:cNvPr id="23" name="Picture 22"/>
+          <p:cNvPr id="5" name="Picture 4"/>
           <p:cNvPicPr>
             <a:picLocks noChangeAspect="1"/>
           </p:cNvPicPr>
           <p:nvPr/>
         </p:nvPicPr>
         <p:blipFill>
-          <a:blip r:embed="rId5">
-            <a:extLst>
-              <a:ext uri="{28A0092B-C50C-407E-A947-70E740481C1C}">
-                <a14:useLocalDpi xmlns:a14="http://schemas.microsoft.com/office/drawing/2010/main" val="0"/>
-              </a:ext>
-            </a:extLst>
-          </a:blip>
+          <a:blip r:embed="rId5"/>
           <a:stretch>
             <a:fillRect/>
           </a:stretch>
         </p:blipFill>
         <p:spPr>
           <a:xfrm>
-            <a:off x="3528337" y="1233712"/>
-            <a:ext cx="1828804" cy="1828804"/>
+            <a:off x="8962369" y="1960530"/>
+            <a:ext cx="4644368" cy="4633204"/>
           </a:xfrm>
           <a:prstGeom prst="rect">
             <a:avLst/>
@@ -5373,6 +5364,13 @@
   <p:clrMapOvr>
     <a:masterClrMapping/>
   </p:clrMapOvr>
+  <p:timing>
+    <p:tnLst>
+      <p:par>
+        <p:cTn id="1" dur="indefinite" restart="never" nodeType="tmRoot"/>
+      </p:par>
+    </p:tnLst>
+  </p:timing>
 </p:sld>
 </file>
 
@@ -5415,8 +5413,8 @@
         </p:blipFill>
         <p:spPr>
           <a:xfrm>
-            <a:off x="672559" y="2024976"/>
-            <a:ext cx="969818" cy="1371600"/>
+            <a:off x="1727013" y="-2565651"/>
+            <a:ext cx="2490322" cy="3522028"/>
           </a:xfrm>
           <a:prstGeom prst="rect">
             <a:avLst/>
@@ -5445,8 +5443,8 @@
         </p:blipFill>
         <p:spPr>
           <a:xfrm>
-            <a:off x="5357141" y="2024976"/>
-            <a:ext cx="969818" cy="1371600"/>
+            <a:off x="13756196" y="-2565651"/>
+            <a:ext cx="2490322" cy="3522028"/>
           </a:xfrm>
           <a:prstGeom prst="rect">
             <a:avLst/>
@@ -5461,8 +5459,8 @@
         </p:nvSpPr>
         <p:spPr>
           <a:xfrm>
-            <a:off x="3528338" y="1233712"/>
-            <a:ext cx="1828804" cy="1828804"/>
+            <a:off x="9060151" y="-4597477"/>
+            <a:ext cx="4696047" cy="4696047"/>
           </a:xfrm>
           <a:prstGeom prst="wedgeRectCallout">
             <a:avLst>
@@ -5500,7 +5498,7 @@
           <a:lstStyle/>
           <a:p>
             <a:pPr algn="ctr"/>
-            <a:endParaRPr lang="en-US"/>
+            <a:endParaRPr lang="en-US" sz="4622"/>
           </a:p>
         </p:txBody>
       </p:sp>
@@ -5512,8 +5510,8 @@
         </p:nvSpPr>
         <p:spPr>
           <a:xfrm>
-            <a:off x="1642377" y="1233712"/>
-            <a:ext cx="1830544" cy="1828804"/>
+            <a:off x="4217335" y="-4597477"/>
+            <a:ext cx="4700515" cy="4696047"/>
           </a:xfrm>
           <a:prstGeom prst="wedgeRectCallout">
             <a:avLst>
@@ -5551,7 +5549,7 @@
           <a:lstStyle/>
           <a:p>
             <a:pPr algn="ctr"/>
-            <a:endParaRPr lang="en-US"/>
+            <a:endParaRPr lang="en-US" sz="4622"/>
           </a:p>
         </p:txBody>
       </p:sp>
@@ -5577,8 +5575,8 @@
         </p:blipFill>
         <p:spPr>
           <a:xfrm>
-            <a:off x="3528337" y="1233712"/>
-            <a:ext cx="1828804" cy="1828804"/>
+            <a:off x="9060149" y="-4597477"/>
+            <a:ext cx="4696047" cy="4696047"/>
           </a:xfrm>
           <a:prstGeom prst="rect">
             <a:avLst/>
@@ -5607,8 +5605,8 @@
         </p:blipFill>
         <p:spPr>
           <a:xfrm>
-            <a:off x="1642376" y="1233712"/>
-            <a:ext cx="1828804" cy="1828804"/>
+            <a:off x="4217333" y="-4597477"/>
+            <a:ext cx="4696047" cy="4696047"/>
           </a:xfrm>
           <a:prstGeom prst="rect">
             <a:avLst/>
@@ -5623,8 +5621,8 @@
         </p:nvGrpSpPr>
         <p:grpSpPr>
           <a:xfrm>
-            <a:off x="361950" y="3436718"/>
-            <a:ext cx="5542864" cy="2307771"/>
+            <a:off x="929424" y="1059456"/>
+            <a:ext cx="14233100" cy="5925950"/>
             <a:chOff x="361950" y="3436718"/>
             <a:chExt cx="5542864" cy="2307771"/>
           </a:xfrm>
@@ -5943,7 +5941,7 @@
             <a:lstStyle/>
             <a:p>
               <a:pPr algn="ctr"/>
-              <a:endParaRPr lang="en-US"/>
+              <a:endParaRPr lang="en-US" sz="4622"/>
             </a:p>
           </p:txBody>
         </p:sp>
@@ -5989,7 +5987,7 @@
             <a:lstStyle/>
             <a:p>
               <a:pPr algn="ctr"/>
-              <a:endParaRPr lang="en-US"/>
+              <a:endParaRPr lang="en-US" sz="4622"/>
             </a:p>
           </p:txBody>
         </p:sp>
@@ -6127,7 +6125,7 @@
             <a:lstStyle/>
             <a:p>
               <a:pPr algn="ctr"/>
-              <a:endParaRPr lang="en-US"/>
+              <a:endParaRPr lang="en-US" sz="4622"/>
             </a:p>
           </p:txBody>
         </p:sp>
@@ -6142,6 +6140,146 @@
   <p:clrMapOvr>
     <a:masterClrMapping/>
   </p:clrMapOvr>
+  <p:timing>
+    <p:tnLst>
+      <p:par>
+        <p:cTn id="1" dur="indefinite" restart="never" nodeType="tmRoot"/>
+      </p:par>
+    </p:tnLst>
+  </p:timing>
+</p:sld>
+</file>
+
+<file path=ppt/slides/slide5.xml><?xml version="1.0" encoding="utf-8"?>
+<p:sld xmlns:a="http://schemas.openxmlformats.org/drawingml/2006/main" xmlns:r="http://schemas.openxmlformats.org/officeDocument/2006/relationships" xmlns:p="http://schemas.openxmlformats.org/presentationml/2006/main">
+  <p:cSld>
+    <p:spTree>
+      <p:nvGrpSpPr>
+        <p:cNvPr id="1" name=""/>
+        <p:cNvGrpSpPr/>
+        <p:nvPr/>
+      </p:nvGrpSpPr>
+      <p:grpSpPr>
+        <a:xfrm>
+          <a:off x="0" y="0"/>
+          <a:ext cx="0" cy="0"/>
+          <a:chOff x="0" y="0"/>
+          <a:chExt cx="0" cy="0"/>
+        </a:xfrm>
+      </p:grpSpPr>
+      <p:pic>
+        <p:nvPicPr>
+          <p:cNvPr id="4" name="Picture 3"/>
+          <p:cNvPicPr>
+            <a:picLocks noChangeAspect="1"/>
+          </p:cNvPicPr>
+          <p:nvPr/>
+        </p:nvPicPr>
+        <p:blipFill>
+          <a:blip r:embed="rId2"/>
+          <a:stretch>
+            <a:fillRect/>
+          </a:stretch>
+        </p:blipFill>
+        <p:spPr>
+          <a:xfrm>
+            <a:off x="7466806" y="3100387"/>
+            <a:ext cx="2676525" cy="3705225"/>
+          </a:xfrm>
+          <a:prstGeom prst="rect">
+            <a:avLst/>
+          </a:prstGeom>
+        </p:spPr>
+      </p:pic>
+      <p:pic>
+        <p:nvPicPr>
+          <p:cNvPr id="5" name="Picture 4"/>
+          <p:cNvPicPr>
+            <a:picLocks noChangeAspect="1"/>
+          </p:cNvPicPr>
+          <p:nvPr/>
+        </p:nvPicPr>
+        <p:blipFill>
+          <a:blip r:embed="rId3"/>
+          <a:stretch>
+            <a:fillRect/>
+          </a:stretch>
+        </p:blipFill>
+        <p:spPr>
+          <a:xfrm>
+            <a:off x="10291154" y="3217161"/>
+            <a:ext cx="2676525" cy="3705225"/>
+          </a:xfrm>
+          <a:prstGeom prst="rect">
+            <a:avLst/>
+          </a:prstGeom>
+        </p:spPr>
+      </p:pic>
+      <p:pic>
+        <p:nvPicPr>
+          <p:cNvPr id="6" name="Picture 5"/>
+          <p:cNvPicPr>
+            <a:picLocks noChangeAspect="1"/>
+          </p:cNvPicPr>
+          <p:nvPr/>
+        </p:nvPicPr>
+        <p:blipFill>
+          <a:blip r:embed="rId4"/>
+          <a:stretch>
+            <a:fillRect/>
+          </a:stretch>
+        </p:blipFill>
+        <p:spPr>
+          <a:xfrm>
+            <a:off x="7619206" y="3252787"/>
+            <a:ext cx="2676525" cy="3705225"/>
+          </a:xfrm>
+          <a:prstGeom prst="rect">
+            <a:avLst/>
+          </a:prstGeom>
+        </p:spPr>
+      </p:pic>
+      <p:pic>
+        <p:nvPicPr>
+          <p:cNvPr id="7" name="Picture 6"/>
+          <p:cNvPicPr>
+            <a:picLocks noChangeAspect="1"/>
+          </p:cNvPicPr>
+          <p:nvPr/>
+        </p:nvPicPr>
+        <p:blipFill>
+          <a:blip r:embed="rId5"/>
+          <a:stretch>
+            <a:fillRect/>
+          </a:stretch>
+        </p:blipFill>
+        <p:spPr>
+          <a:xfrm>
+            <a:off x="7771606" y="3405187"/>
+            <a:ext cx="2676525" cy="3705225"/>
+          </a:xfrm>
+          <a:prstGeom prst="rect">
+            <a:avLst/>
+          </a:prstGeom>
+        </p:spPr>
+      </p:pic>
+    </p:spTree>
+    <p:extLst>
+      <p:ext uri="{BB962C8B-B14F-4D97-AF65-F5344CB8AC3E}">
+        <p14:creationId xmlns:p14="http://schemas.microsoft.com/office/powerpoint/2010/main" val="1543904345"/>
+      </p:ext>
+    </p:extLst>
+  </p:cSld>
+  <p:clrMapOvr>
+    <a:masterClrMapping/>
+  </p:clrMapOvr>
+  <p:timing>
+    <p:tnLst>
+      <p:par>
+        <p:cTn id="1" dur="indefinite" restart="never" nodeType="tmRoot"/>
+      </p:par>
+    </p:tnLst>
+  </p:timing>
 </p:sld>
 </file>
 
